--- a/env-booking-api/docs/AWS-SWAGGER-SAM-API-Gateway.pptx
+++ b/env-booking-api/docs/AWS-SWAGGER-SAM-API-Gateway.pptx
@@ -11,8 +11,9 @@
     <p:sldId id="259" r:id="rId5"/>
     <p:sldId id="260" r:id="rId6"/>
     <p:sldId id="261" r:id="rId7"/>
-    <p:sldId id="262" r:id="rId8"/>
-    <p:sldId id="263" r:id="rId9"/>
+    <p:sldId id="264" r:id="rId8"/>
+    <p:sldId id="262" r:id="rId9"/>
+    <p:sldId id="263" r:id="rId10"/>
   </p:sldIdLst>
   <p:sldSz cx="12192000" cy="6858000"/>
   <p:notesSz cx="6858000" cy="9144000"/>
@@ -276,7 +277,7 @@
           <a:p>
             <a:fld id="{03ACB636-5B29-435D-9061-1493BD3D4C08}" type="datetimeFigureOut">
               <a:rPr lang="en-AU" smtClean="0"/>
-              <a:t>21/05/2020</a:t>
+              <a:t>23/05/2020</a:t>
             </a:fld>
             <a:endParaRPr lang="en-AU"/>
           </a:p>
@@ -476,7 +477,7 @@
           <a:p>
             <a:fld id="{03ACB636-5B29-435D-9061-1493BD3D4C08}" type="datetimeFigureOut">
               <a:rPr lang="en-AU" smtClean="0"/>
-              <a:t>21/05/2020</a:t>
+              <a:t>23/05/2020</a:t>
             </a:fld>
             <a:endParaRPr lang="en-AU"/>
           </a:p>
@@ -686,7 +687,7 @@
           <a:p>
             <a:fld id="{03ACB636-5B29-435D-9061-1493BD3D4C08}" type="datetimeFigureOut">
               <a:rPr lang="en-AU" smtClean="0"/>
-              <a:t>21/05/2020</a:t>
+              <a:t>23/05/2020</a:t>
             </a:fld>
             <a:endParaRPr lang="en-AU"/>
           </a:p>
@@ -886,7 +887,7 @@
           <a:p>
             <a:fld id="{03ACB636-5B29-435D-9061-1493BD3D4C08}" type="datetimeFigureOut">
               <a:rPr lang="en-AU" smtClean="0"/>
-              <a:t>21/05/2020</a:t>
+              <a:t>23/05/2020</a:t>
             </a:fld>
             <a:endParaRPr lang="en-AU"/>
           </a:p>
@@ -1162,7 +1163,7 @@
           <a:p>
             <a:fld id="{03ACB636-5B29-435D-9061-1493BD3D4C08}" type="datetimeFigureOut">
               <a:rPr lang="en-AU" smtClean="0"/>
-              <a:t>21/05/2020</a:t>
+              <a:t>23/05/2020</a:t>
             </a:fld>
             <a:endParaRPr lang="en-AU"/>
           </a:p>
@@ -1430,7 +1431,7 @@
           <a:p>
             <a:fld id="{03ACB636-5B29-435D-9061-1493BD3D4C08}" type="datetimeFigureOut">
               <a:rPr lang="en-AU" smtClean="0"/>
-              <a:t>21/05/2020</a:t>
+              <a:t>23/05/2020</a:t>
             </a:fld>
             <a:endParaRPr lang="en-AU"/>
           </a:p>
@@ -1845,7 +1846,7 @@
           <a:p>
             <a:fld id="{03ACB636-5B29-435D-9061-1493BD3D4C08}" type="datetimeFigureOut">
               <a:rPr lang="en-AU" smtClean="0"/>
-              <a:t>21/05/2020</a:t>
+              <a:t>23/05/2020</a:t>
             </a:fld>
             <a:endParaRPr lang="en-AU"/>
           </a:p>
@@ -1987,7 +1988,7 @@
           <a:p>
             <a:fld id="{03ACB636-5B29-435D-9061-1493BD3D4C08}" type="datetimeFigureOut">
               <a:rPr lang="en-AU" smtClean="0"/>
-              <a:t>21/05/2020</a:t>
+              <a:t>23/05/2020</a:t>
             </a:fld>
             <a:endParaRPr lang="en-AU"/>
           </a:p>
@@ -2100,7 +2101,7 @@
           <a:p>
             <a:fld id="{03ACB636-5B29-435D-9061-1493BD3D4C08}" type="datetimeFigureOut">
               <a:rPr lang="en-AU" smtClean="0"/>
-              <a:t>21/05/2020</a:t>
+              <a:t>23/05/2020</a:t>
             </a:fld>
             <a:endParaRPr lang="en-AU"/>
           </a:p>
@@ -2413,7 +2414,7 @@
           <a:p>
             <a:fld id="{03ACB636-5B29-435D-9061-1493BD3D4C08}" type="datetimeFigureOut">
               <a:rPr lang="en-AU" smtClean="0"/>
-              <a:t>21/05/2020</a:t>
+              <a:t>23/05/2020</a:t>
             </a:fld>
             <a:endParaRPr lang="en-AU"/>
           </a:p>
@@ -2702,7 +2703,7 @@
           <a:p>
             <a:fld id="{03ACB636-5B29-435D-9061-1493BD3D4C08}" type="datetimeFigureOut">
               <a:rPr lang="en-AU" smtClean="0"/>
-              <a:t>21/05/2020</a:t>
+              <a:t>23/05/2020</a:t>
             </a:fld>
             <a:endParaRPr lang="en-AU"/>
           </a:p>
@@ -2945,7 +2946,7 @@
           <a:p>
             <a:fld id="{03ACB636-5B29-435D-9061-1493BD3D4C08}" type="datetimeFigureOut">
               <a:rPr lang="en-AU" smtClean="0"/>
-              <a:t>21/05/2020</a:t>
+              <a:t>23/05/2020</a:t>
             </a:fld>
             <a:endParaRPr lang="en-AU"/>
           </a:p>
@@ -5056,6 +5057,94 @@
           <a:chExt cx="0" cy="0"/>
         </a:xfrm>
       </p:grpSpPr>
+      <p:pic>
+        <p:nvPicPr>
+          <p:cNvPr id="7" name="Picture 6">
+            <a:extLst>
+              <a:ext uri="{FF2B5EF4-FFF2-40B4-BE49-F238E27FC236}">
+                <a16:creationId xmlns:a16="http://schemas.microsoft.com/office/drawing/2014/main" id="{2BA58CCA-8902-4562-9423-B2CCE120A3CB}"/>
+              </a:ext>
+            </a:extLst>
+          </p:cNvPr>
+          <p:cNvPicPr>
+            <a:picLocks noChangeAspect="1"/>
+          </p:cNvPicPr>
+          <p:nvPr/>
+        </p:nvPicPr>
+        <p:blipFill>
+          <a:blip r:embed="rId2"/>
+          <a:stretch>
+            <a:fillRect/>
+          </a:stretch>
+        </p:blipFill>
+        <p:spPr>
+          <a:xfrm>
+            <a:off x="689006" y="989968"/>
+            <a:ext cx="9980478" cy="5189849"/>
+          </a:xfrm>
+          <a:prstGeom prst="rect">
+            <a:avLst/>
+          </a:prstGeom>
+        </p:spPr>
+      </p:pic>
+      <p:sp>
+        <p:nvSpPr>
+          <p:cNvPr id="2" name="Title 1">
+            <a:extLst>
+              <a:ext uri="{FF2B5EF4-FFF2-40B4-BE49-F238E27FC236}">
+                <a16:creationId xmlns:a16="http://schemas.microsoft.com/office/drawing/2014/main" id="{03ED7283-54CB-48EE-BFB8-2F817B6E2A03}"/>
+              </a:ext>
+            </a:extLst>
+          </p:cNvPr>
+          <p:cNvSpPr>
+            <a:spLocks noGrp="1"/>
+          </p:cNvSpPr>
+          <p:nvPr>
+            <p:ph type="title"/>
+          </p:nvPr>
+        </p:nvSpPr>
+        <p:spPr/>
+        <p:txBody>
+          <a:bodyPr/>
+          <a:lstStyle/>
+          <a:p>
+            <a:r>
+              <a:rPr lang="en-AU" dirty="0"/>
+              <a:t>Let’s Build an Env Booking Portal using SAM</a:t>
+            </a:r>
+          </a:p>
+        </p:txBody>
+      </p:sp>
+    </p:spTree>
+    <p:extLst>
+      <p:ext uri="{BB962C8B-B14F-4D97-AF65-F5344CB8AC3E}">
+        <p14:creationId xmlns:p14="http://schemas.microsoft.com/office/powerpoint/2010/main" val="1045001877"/>
+      </p:ext>
+    </p:extLst>
+  </p:cSld>
+  <p:clrMapOvr>
+    <a:masterClrMapping/>
+  </p:clrMapOvr>
+</p:sld>
+</file>
+
+<file path=ppt/slides/slide8.xml><?xml version="1.0" encoding="utf-8"?>
+<p:sld xmlns:a="http://schemas.openxmlformats.org/drawingml/2006/main" xmlns:r="http://schemas.openxmlformats.org/officeDocument/2006/relationships" xmlns:p="http://schemas.openxmlformats.org/presentationml/2006/main">
+  <p:cSld>
+    <p:spTree>
+      <p:nvGrpSpPr>
+        <p:cNvPr id="1" name=""/>
+        <p:cNvGrpSpPr/>
+        <p:nvPr/>
+      </p:nvGrpSpPr>
+      <p:grpSpPr>
+        <a:xfrm>
+          <a:off x="0" y="0"/>
+          <a:ext cx="0" cy="0"/>
+          <a:chOff x="0" y="0"/>
+          <a:chExt cx="0" cy="0"/>
+        </a:xfrm>
+      </p:grpSpPr>
       <p:sp>
         <p:nvSpPr>
           <p:cNvPr id="2" name="Title 1">
@@ -5311,7 +5400,7 @@
 </p:sld>
 </file>
 
-<file path=ppt/slides/slide8.xml><?xml version="1.0" encoding="utf-8"?>
+<file path=ppt/slides/slide9.xml><?xml version="1.0" encoding="utf-8"?>
 <p:sld xmlns:a="http://schemas.openxmlformats.org/drawingml/2006/main" xmlns:r="http://schemas.openxmlformats.org/officeDocument/2006/relationships" xmlns:p="http://schemas.openxmlformats.org/presentationml/2006/main">
   <p:cSld>
     <p:spTree>

--- a/env-booking-api/docs/AWS-SWAGGER-SAM-API-Gateway.pptx
+++ b/env-booking-api/docs/AWS-SWAGGER-SAM-API-Gateway.pptx
@@ -5,15 +5,17 @@
     <p:sldMasterId id="2147483648" r:id="rId1"/>
   </p:sldMasterIdLst>
   <p:sldIdLst>
-    <p:sldId id="256" r:id="rId2"/>
-    <p:sldId id="257" r:id="rId3"/>
-    <p:sldId id="258" r:id="rId4"/>
-    <p:sldId id="259" r:id="rId5"/>
-    <p:sldId id="260" r:id="rId6"/>
-    <p:sldId id="261" r:id="rId7"/>
+    <p:sldId id="267" r:id="rId2"/>
+    <p:sldId id="258" r:id="rId3"/>
+    <p:sldId id="256" r:id="rId4"/>
+    <p:sldId id="257" r:id="rId5"/>
+    <p:sldId id="259" r:id="rId6"/>
+    <p:sldId id="260" r:id="rId7"/>
     <p:sldId id="264" r:id="rId8"/>
-    <p:sldId id="262" r:id="rId9"/>
-    <p:sldId id="263" r:id="rId10"/>
+    <p:sldId id="261" r:id="rId9"/>
+    <p:sldId id="266" r:id="rId10"/>
+    <p:sldId id="262" r:id="rId11"/>
+    <p:sldId id="263" r:id="rId12"/>
   </p:sldIdLst>
   <p:sldSz cx="12192000" cy="6858000"/>
   <p:notesSz cx="6858000" cy="9144000"/>
@@ -120,6 +122,18 @@
 </p:presentation>
 </file>
 
+<file path=ppt/commentAuthors.xml><?xml version="1.0" encoding="utf-8"?>
+<p:cmAuthorLst xmlns:a="http://schemas.openxmlformats.org/drawingml/2006/main" xmlns:r="http://schemas.openxmlformats.org/officeDocument/2006/relationships" xmlns:p="http://schemas.openxmlformats.org/presentationml/2006/main">
+  <p:cmAuthor id="1" name="Damodar Shanke" initials="DS" lastIdx="1" clrIdx="0">
+    <p:extLst>
+      <p:ext uri="{19B8F6BF-5375-455C-9EA6-DF929625EA0E}">
+        <p15:presenceInfo xmlns:p15="http://schemas.microsoft.com/office/powerpoint/2012/main" userId="2f57f060333bb308" providerId="Windows Live"/>
+      </p:ext>
+    </p:extLst>
+  </p:cmAuthor>
+</p:cmAuthorLst>
+</file>
+
 <file path=ppt/revisionInfo.xml><?xml version="1.0" encoding="utf-8"?>
 <p1510:revInfo xmlns:a="http://schemas.openxmlformats.org/drawingml/2006/main" xmlns:r="http://schemas.openxmlformats.org/officeDocument/2006/relationships" xmlns:p1510="http://schemas.microsoft.com/office/powerpoint/2015/10/main">
   <p1510:revLst>
@@ -277,7 +291,7 @@
           <a:p>
             <a:fld id="{03ACB636-5B29-435D-9061-1493BD3D4C08}" type="datetimeFigureOut">
               <a:rPr lang="en-AU" smtClean="0"/>
-              <a:t>23/05/2020</a:t>
+              <a:t>2/06/2020</a:t>
             </a:fld>
             <a:endParaRPr lang="en-AU"/>
           </a:p>
@@ -477,7 +491,7 @@
           <a:p>
             <a:fld id="{03ACB636-5B29-435D-9061-1493BD3D4C08}" type="datetimeFigureOut">
               <a:rPr lang="en-AU" smtClean="0"/>
-              <a:t>23/05/2020</a:t>
+              <a:t>2/06/2020</a:t>
             </a:fld>
             <a:endParaRPr lang="en-AU"/>
           </a:p>
@@ -687,7 +701,7 @@
           <a:p>
             <a:fld id="{03ACB636-5B29-435D-9061-1493BD3D4C08}" type="datetimeFigureOut">
               <a:rPr lang="en-AU" smtClean="0"/>
-              <a:t>23/05/2020</a:t>
+              <a:t>2/06/2020</a:t>
             </a:fld>
             <a:endParaRPr lang="en-AU"/>
           </a:p>
@@ -887,7 +901,7 @@
           <a:p>
             <a:fld id="{03ACB636-5B29-435D-9061-1493BD3D4C08}" type="datetimeFigureOut">
               <a:rPr lang="en-AU" smtClean="0"/>
-              <a:t>23/05/2020</a:t>
+              <a:t>2/06/2020</a:t>
             </a:fld>
             <a:endParaRPr lang="en-AU"/>
           </a:p>
@@ -1163,7 +1177,7 @@
           <a:p>
             <a:fld id="{03ACB636-5B29-435D-9061-1493BD3D4C08}" type="datetimeFigureOut">
               <a:rPr lang="en-AU" smtClean="0"/>
-              <a:t>23/05/2020</a:t>
+              <a:t>2/06/2020</a:t>
             </a:fld>
             <a:endParaRPr lang="en-AU"/>
           </a:p>
@@ -1431,7 +1445,7 @@
           <a:p>
             <a:fld id="{03ACB636-5B29-435D-9061-1493BD3D4C08}" type="datetimeFigureOut">
               <a:rPr lang="en-AU" smtClean="0"/>
-              <a:t>23/05/2020</a:t>
+              <a:t>2/06/2020</a:t>
             </a:fld>
             <a:endParaRPr lang="en-AU"/>
           </a:p>
@@ -1846,7 +1860,7 @@
           <a:p>
             <a:fld id="{03ACB636-5B29-435D-9061-1493BD3D4C08}" type="datetimeFigureOut">
               <a:rPr lang="en-AU" smtClean="0"/>
-              <a:t>23/05/2020</a:t>
+              <a:t>2/06/2020</a:t>
             </a:fld>
             <a:endParaRPr lang="en-AU"/>
           </a:p>
@@ -1988,7 +2002,7 @@
           <a:p>
             <a:fld id="{03ACB636-5B29-435D-9061-1493BD3D4C08}" type="datetimeFigureOut">
               <a:rPr lang="en-AU" smtClean="0"/>
-              <a:t>23/05/2020</a:t>
+              <a:t>2/06/2020</a:t>
             </a:fld>
             <a:endParaRPr lang="en-AU"/>
           </a:p>
@@ -2101,7 +2115,7 @@
           <a:p>
             <a:fld id="{03ACB636-5B29-435D-9061-1493BD3D4C08}" type="datetimeFigureOut">
               <a:rPr lang="en-AU" smtClean="0"/>
-              <a:t>23/05/2020</a:t>
+              <a:t>2/06/2020</a:t>
             </a:fld>
             <a:endParaRPr lang="en-AU"/>
           </a:p>
@@ -2414,7 +2428,7 @@
           <a:p>
             <a:fld id="{03ACB636-5B29-435D-9061-1493BD3D4C08}" type="datetimeFigureOut">
               <a:rPr lang="en-AU" smtClean="0"/>
-              <a:t>23/05/2020</a:t>
+              <a:t>2/06/2020</a:t>
             </a:fld>
             <a:endParaRPr lang="en-AU"/>
           </a:p>
@@ -2703,7 +2717,7 @@
           <a:p>
             <a:fld id="{03ACB636-5B29-435D-9061-1493BD3D4C08}" type="datetimeFigureOut">
               <a:rPr lang="en-AU" smtClean="0"/>
-              <a:t>23/05/2020</a:t>
+              <a:t>2/06/2020</a:t>
             </a:fld>
             <a:endParaRPr lang="en-AU"/>
           </a:p>
@@ -2946,7 +2960,7 @@
           <a:p>
             <a:fld id="{03ACB636-5B29-435D-9061-1493BD3D4C08}" type="datetimeFigureOut">
               <a:rPr lang="en-AU" smtClean="0"/>
-              <a:t>23/05/2020</a:t>
+              <a:t>2/06/2020</a:t>
             </a:fld>
             <a:endParaRPr lang="en-AU"/>
           </a:p>
@@ -3349,6 +3363,973 @@
 <file path=ppt/slides/slide1.xml><?xml version="1.0" encoding="utf-8"?>
 <p:sld xmlns:a="http://schemas.openxmlformats.org/drawingml/2006/main" xmlns:r="http://schemas.openxmlformats.org/officeDocument/2006/relationships" xmlns:p="http://schemas.openxmlformats.org/presentationml/2006/main">
   <p:cSld>
+    <p:bg>
+      <p:bgPr>
+        <a:solidFill>
+          <a:schemeClr val="bg1">
+            <a:tint val="95000"/>
+            <a:satMod val="170000"/>
+          </a:schemeClr>
+        </a:solidFill>
+        <a:effectLst/>
+      </p:bgPr>
+    </p:bg>
+    <p:spTree>
+      <p:nvGrpSpPr>
+        <p:cNvPr id="1" name=""/>
+        <p:cNvGrpSpPr/>
+        <p:nvPr/>
+      </p:nvGrpSpPr>
+      <p:grpSpPr>
+        <a:xfrm>
+          <a:off x="0" y="0"/>
+          <a:ext cx="0" cy="0"/>
+          <a:chOff x="0" y="0"/>
+          <a:chExt cx="0" cy="0"/>
+        </a:xfrm>
+      </p:grpSpPr>
+      <p:sp>
+        <p:nvSpPr>
+          <p:cNvPr id="2" name="Title 1">
+            <a:extLst>
+              <a:ext uri="{FF2B5EF4-FFF2-40B4-BE49-F238E27FC236}">
+                <a16:creationId xmlns:a16="http://schemas.microsoft.com/office/drawing/2014/main" id="{093E78D1-DDD6-431D-AB1B-006623CE601D}"/>
+              </a:ext>
+            </a:extLst>
+          </p:cNvPr>
+          <p:cNvSpPr>
+            <a:spLocks noGrp="1"/>
+          </p:cNvSpPr>
+          <p:nvPr>
+            <p:ph type="title"/>
+          </p:nvPr>
+        </p:nvSpPr>
+        <p:spPr>
+          <a:xfrm>
+            <a:off x="6304548" y="1511167"/>
+            <a:ext cx="5315930" cy="4167738"/>
+          </a:xfrm>
+        </p:spPr>
+        <p:txBody>
+          <a:bodyPr vert="horz" lIns="91440" tIns="45720" rIns="91440" bIns="45720" rtlCol="0" anchor="b">
+            <a:noAutofit/>
+          </a:bodyPr>
+          <a:lstStyle/>
+          <a:p>
+            <a:pPr algn="ctr"/>
+            <a:r>
+              <a:rPr lang="en-US" sz="9600" dirty="0"/>
+              <a:t>AMAZON </a:t>
+            </a:r>
+            <a:br>
+              <a:rPr lang="en-US" sz="9600" dirty="0"/>
+            </a:br>
+            <a:r>
+              <a:rPr lang="en-US" sz="9600" dirty="0"/>
+              <a:t>API </a:t>
+            </a:r>
+            <a:br>
+              <a:rPr lang="en-US" sz="9600" dirty="0"/>
+            </a:br>
+            <a:r>
+              <a:rPr lang="en-US" sz="9600" dirty="0"/>
+              <a:t>GATEWAY</a:t>
+            </a:r>
+          </a:p>
+        </p:txBody>
+      </p:sp>
+      <p:sp>
+        <p:nvSpPr>
+          <p:cNvPr id="16" name="Freeform: Shape 15">
+            <a:extLst>
+              <a:ext uri="{FF2B5EF4-FFF2-40B4-BE49-F238E27FC236}">
+                <a16:creationId xmlns:a16="http://schemas.microsoft.com/office/drawing/2014/main" id="{1DB7C82F-AB7E-4F0C-B829-FA1B9C415180}"/>
+              </a:ext>
+              <a:ext uri="{C183D7F6-B498-43B3-948B-1728B52AA6E4}">
+                <adec:decorative xmlns:adec="http://schemas.microsoft.com/office/drawing/2017/decorative" val="1"/>
+              </a:ext>
+            </a:extLst>
+          </p:cNvPr>
+          <p:cNvSpPr>
+            <a:spLocks noGrp="1" noRot="1" noChangeAspect="1" noMove="1" noResize="1" noEditPoints="1" noAdjustHandles="1" noChangeArrowheads="1" noChangeShapeType="1" noTextEdit="1"/>
+          </p:cNvSpPr>
+          <p:nvPr>
+            <p:extLst>
+              <p:ext uri="{386F3935-93C4-4BCD-93E2-E3B085C9AB24}">
+                <p16:designElem xmlns:p16="http://schemas.microsoft.com/office/powerpoint/2015/main" val="1"/>
+              </p:ext>
+            </p:extLst>
+          </p:nvPr>
+        </p:nvSpPr>
+        <p:spPr>
+          <a:xfrm flipH="1">
+            <a:off x="0" y="0"/>
+            <a:ext cx="6172782" cy="6858000"/>
+          </a:xfrm>
+          <a:custGeom>
+            <a:avLst/>
+            <a:gdLst>
+              <a:gd name="connsiteX0" fmla="*/ 6172782 w 6172782"/>
+              <a:gd name="connsiteY0" fmla="*/ 0 h 6858000"/>
+              <a:gd name="connsiteX1" fmla="*/ 69075 w 6172782"/>
+              <a:gd name="connsiteY1" fmla="*/ 0 h 6858000"/>
+              <a:gd name="connsiteX2" fmla="*/ 35131 w 6172782"/>
+              <a:gd name="connsiteY2" fmla="*/ 267128 h 6858000"/>
+              <a:gd name="connsiteX3" fmla="*/ 0 w 6172782"/>
+              <a:gd name="connsiteY3" fmla="*/ 962845 h 6858000"/>
+              <a:gd name="connsiteX4" fmla="*/ 3276103 w 6172782"/>
+              <a:gd name="connsiteY4" fmla="*/ 6782205 h 6858000"/>
+              <a:gd name="connsiteX5" fmla="*/ 3407923 w 6172782"/>
+              <a:gd name="connsiteY5" fmla="*/ 6858000 h 6858000"/>
+              <a:gd name="connsiteX6" fmla="*/ 6172782 w 6172782"/>
+              <a:gd name="connsiteY6" fmla="*/ 6858000 h 6858000"/>
+            </a:gdLst>
+            <a:ahLst/>
+            <a:cxnLst>
+              <a:cxn ang="0">
+                <a:pos x="connsiteX0" y="connsiteY0"/>
+              </a:cxn>
+              <a:cxn ang="0">
+                <a:pos x="connsiteX1" y="connsiteY1"/>
+              </a:cxn>
+              <a:cxn ang="0">
+                <a:pos x="connsiteX2" y="connsiteY2"/>
+              </a:cxn>
+              <a:cxn ang="0">
+                <a:pos x="connsiteX3" y="connsiteY3"/>
+              </a:cxn>
+              <a:cxn ang="0">
+                <a:pos x="connsiteX4" y="connsiteY4"/>
+              </a:cxn>
+              <a:cxn ang="0">
+                <a:pos x="connsiteX5" y="connsiteY5"/>
+              </a:cxn>
+              <a:cxn ang="0">
+                <a:pos x="connsiteX6" y="connsiteY6"/>
+              </a:cxn>
+            </a:cxnLst>
+            <a:rect l="l" t="t" r="r" b="b"/>
+            <a:pathLst>
+              <a:path w="6172782" h="6858000">
+                <a:moveTo>
+                  <a:pt x="6172782" y="0"/>
+                </a:moveTo>
+                <a:lnTo>
+                  <a:pt x="69075" y="0"/>
+                </a:lnTo>
+                <a:lnTo>
+                  <a:pt x="35131" y="267128"/>
+                </a:lnTo>
+                <a:cubicBezTo>
+                  <a:pt x="11901" y="495874"/>
+                  <a:pt x="0" y="727970"/>
+                  <a:pt x="0" y="962845"/>
+                </a:cubicBezTo>
+                <a:cubicBezTo>
+                  <a:pt x="0" y="3429034"/>
+                  <a:pt x="1312002" y="5588789"/>
+                  <a:pt x="3276103" y="6782205"/>
+                </a:cubicBezTo>
+                <a:lnTo>
+                  <a:pt x="3407923" y="6858000"/>
+                </a:lnTo>
+                <a:lnTo>
+                  <a:pt x="6172782" y="6858000"/>
+                </a:lnTo>
+                <a:close/>
+              </a:path>
+            </a:pathLst>
+          </a:custGeom>
+          <a:solidFill>
+            <a:srgbClr val="FFFFFF">
+              <a:alpha val="80000"/>
+            </a:srgbClr>
+          </a:solidFill>
+          <a:ln>
+            <a:noFill/>
+          </a:ln>
+        </p:spPr>
+        <p:style>
+          <a:lnRef idx="2">
+            <a:schemeClr val="accent1">
+              <a:shade val="50000"/>
+            </a:schemeClr>
+          </a:lnRef>
+          <a:fillRef idx="1">
+            <a:schemeClr val="accent1"/>
+          </a:fillRef>
+          <a:effectRef idx="0">
+            <a:schemeClr val="accent1"/>
+          </a:effectRef>
+          <a:fontRef idx="minor">
+            <a:schemeClr val="lt1"/>
+          </a:fontRef>
+        </p:style>
+        <p:txBody>
+          <a:bodyPr wrap="square" rtlCol="0" anchor="ctr">
+            <a:noAutofit/>
+          </a:bodyPr>
+          <a:lstStyle/>
+          <a:p>
+            <a:pPr marL="0" marR="0" lvl="0" indent="0" algn="ctr" defTabSz="914400" rtl="0" eaLnBrk="1" fontAlgn="auto" latinLnBrk="0" hangingPunct="1">
+              <a:lnSpc>
+                <a:spcPct val="100000"/>
+              </a:lnSpc>
+              <a:spcBef>
+                <a:spcPts val="0"/>
+              </a:spcBef>
+              <a:spcAft>
+                <a:spcPts val="0"/>
+              </a:spcAft>
+              <a:buClrTx/>
+              <a:buSzTx/>
+              <a:buFontTx/>
+              <a:buNone/>
+              <a:tabLst/>
+              <a:defRPr/>
+            </a:pPr>
+            <a:endParaRPr kumimoji="0" lang="en-US" sz="1800" b="0" i="0" u="none" strike="noStrike" kern="1200" cap="none" spc="0" normalizeH="0" baseline="0" noProof="0">
+              <a:ln>
+                <a:noFill/>
+              </a:ln>
+              <a:solidFill>
+                <a:prstClr val="white"/>
+              </a:solidFill>
+              <a:effectLst/>
+              <a:uLnTx/>
+              <a:uFillTx/>
+              <a:latin typeface="Calibri" panose="020F0502020204030204"/>
+              <a:ea typeface="+mn-ea"/>
+              <a:cs typeface="+mn-cs"/>
+            </a:endParaRPr>
+          </a:p>
+        </p:txBody>
+      </p:sp>
+      <p:pic>
+        <p:nvPicPr>
+          <p:cNvPr id="4" name="Picture 3">
+            <a:extLst>
+              <a:ext uri="{FF2B5EF4-FFF2-40B4-BE49-F238E27FC236}">
+                <a16:creationId xmlns:a16="http://schemas.microsoft.com/office/drawing/2014/main" id="{0992007A-F601-49BA-903C-38DE28F4FE55}"/>
+              </a:ext>
+            </a:extLst>
+          </p:cNvPr>
+          <p:cNvPicPr>
+            <a:picLocks noChangeAspect="1"/>
+          </p:cNvPicPr>
+          <p:nvPr/>
+        </p:nvPicPr>
+        <p:blipFill rotWithShape="1">
+          <a:blip r:embed="rId2"/>
+          <a:srcRect l="5087" r="5439" b="-1"/>
+          <a:stretch/>
+        </p:blipFill>
+        <p:spPr>
+          <a:xfrm>
+            <a:off x="20" y="10"/>
+            <a:ext cx="6024134" cy="6857990"/>
+          </a:xfrm>
+          <a:custGeom>
+            <a:avLst/>
+            <a:gdLst/>
+            <a:ahLst/>
+            <a:cxnLst/>
+            <a:rect l="l" t="t" r="r" b="b"/>
+            <a:pathLst>
+              <a:path w="6024154" h="6858000">
+                <a:moveTo>
+                  <a:pt x="0" y="0"/>
+                </a:moveTo>
+                <a:lnTo>
+                  <a:pt x="5953780" y="0"/>
+                </a:lnTo>
+                <a:lnTo>
+                  <a:pt x="5989880" y="284091"/>
+                </a:lnTo>
+                <a:cubicBezTo>
+                  <a:pt x="6012544" y="507260"/>
+                  <a:pt x="6024154" y="733696"/>
+                  <a:pt x="6024154" y="962844"/>
+                </a:cubicBezTo>
+                <a:cubicBezTo>
+                  <a:pt x="6024154" y="3483472"/>
+                  <a:pt x="4619336" y="5675986"/>
+                  <a:pt x="2549934" y="6800152"/>
+                </a:cubicBezTo>
+                <a:lnTo>
+                  <a:pt x="2436987" y="6858000"/>
+                </a:lnTo>
+                <a:lnTo>
+                  <a:pt x="0" y="6858000"/>
+                </a:lnTo>
+                <a:close/>
+              </a:path>
+            </a:pathLst>
+          </a:custGeom>
+        </p:spPr>
+      </p:pic>
+    </p:spTree>
+    <p:extLst>
+      <p:ext uri="{BB962C8B-B14F-4D97-AF65-F5344CB8AC3E}">
+        <p14:creationId xmlns:p14="http://schemas.microsoft.com/office/powerpoint/2010/main" val="1120039983"/>
+      </p:ext>
+    </p:extLst>
+  </p:cSld>
+  <p:clrMapOvr>
+    <a:overrideClrMapping bg1="dk1" tx1="lt1" bg2="dk2" tx2="lt2" accent1="accent1" accent2="accent2" accent3="accent3" accent4="accent4" accent5="accent5" accent6="accent6" hlink="hlink" folHlink="folHlink"/>
+  </p:clrMapOvr>
+</p:sld>
+</file>
+
+<file path=ppt/slides/slide10.xml><?xml version="1.0" encoding="utf-8"?>
+<p:sld xmlns:a="http://schemas.openxmlformats.org/drawingml/2006/main" xmlns:r="http://schemas.openxmlformats.org/officeDocument/2006/relationships" xmlns:p="http://schemas.openxmlformats.org/presentationml/2006/main">
+  <p:cSld>
+    <p:spTree>
+      <p:nvGrpSpPr>
+        <p:cNvPr id="1" name=""/>
+        <p:cNvGrpSpPr/>
+        <p:nvPr/>
+      </p:nvGrpSpPr>
+      <p:grpSpPr>
+        <a:xfrm>
+          <a:off x="0" y="0"/>
+          <a:ext cx="0" cy="0"/>
+          <a:chOff x="0" y="0"/>
+          <a:chExt cx="0" cy="0"/>
+        </a:xfrm>
+      </p:grpSpPr>
+      <p:sp>
+        <p:nvSpPr>
+          <p:cNvPr id="2" name="Title 1">
+            <a:extLst>
+              <a:ext uri="{FF2B5EF4-FFF2-40B4-BE49-F238E27FC236}">
+                <a16:creationId xmlns:a16="http://schemas.microsoft.com/office/drawing/2014/main" id="{BE73875F-5236-4269-95DE-BD972AD01C5A}"/>
+              </a:ext>
+            </a:extLst>
+          </p:cNvPr>
+          <p:cNvSpPr>
+            <a:spLocks noGrp="1"/>
+          </p:cNvSpPr>
+          <p:nvPr>
+            <p:ph type="title"/>
+          </p:nvPr>
+        </p:nvSpPr>
+        <p:spPr/>
+        <p:txBody>
+          <a:bodyPr/>
+          <a:lstStyle/>
+          <a:p>
+            <a:r>
+              <a:rPr lang="en-AU" dirty="0"/>
+              <a:t>Step 1 – Package Artefacts</a:t>
+            </a:r>
+          </a:p>
+        </p:txBody>
+      </p:sp>
+      <p:sp>
+        <p:nvSpPr>
+          <p:cNvPr id="3" name="Content Placeholder 2">
+            <a:extLst>
+              <a:ext uri="{FF2B5EF4-FFF2-40B4-BE49-F238E27FC236}">
+                <a16:creationId xmlns:a16="http://schemas.microsoft.com/office/drawing/2014/main" id="{05BBA83A-E027-40B0-974F-F9409159571E}"/>
+              </a:ext>
+            </a:extLst>
+          </p:cNvPr>
+          <p:cNvSpPr>
+            <a:spLocks noGrp="1"/>
+          </p:cNvSpPr>
+          <p:nvPr>
+            <p:ph idx="1"/>
+          </p:nvPr>
+        </p:nvSpPr>
+        <p:spPr/>
+        <p:txBody>
+          <a:bodyPr>
+            <a:normAutofit fontScale="92500" lnSpcReduction="20000"/>
+          </a:bodyPr>
+          <a:lstStyle/>
+          <a:p>
+            <a:pPr marL="0" indent="0">
+              <a:buNone/>
+            </a:pPr>
+            <a:r>
+              <a:rPr lang="en-US" sz="3400" dirty="0"/>
+              <a:t>SAM needs an s3 bucket – Let’s create One</a:t>
+            </a:r>
+          </a:p>
+          <a:p>
+            <a:pPr marL="0" indent="0">
+              <a:buNone/>
+            </a:pPr>
+            <a:r>
+              <a:rPr lang="en-AU" i="1" dirty="0" err="1"/>
+              <a:t>aws</a:t>
+            </a:r>
+            <a:r>
+              <a:rPr lang="en-AU" i="1" dirty="0"/>
+              <a:t> s3 mb s3://damz-demo-sam </a:t>
+            </a:r>
+            <a:r>
+              <a:rPr lang="en-AU" dirty="0"/>
+              <a:t>--region ap-southeast-2</a:t>
+            </a:r>
+          </a:p>
+          <a:p>
+            <a:pPr marL="0" indent="0">
+              <a:buNone/>
+            </a:pPr>
+            <a:endParaRPr lang="en-AU" dirty="0"/>
+          </a:p>
+          <a:p>
+            <a:pPr marL="0" indent="0">
+              <a:buNone/>
+            </a:pPr>
+            <a:r>
+              <a:rPr lang="en-AU" dirty="0"/>
+              <a:t>cd ~/demo-</a:t>
+            </a:r>
+            <a:r>
+              <a:rPr lang="en-AU" dirty="0" err="1"/>
+              <a:t>sam</a:t>
+            </a:r>
+            <a:r>
+              <a:rPr lang="en-AU" dirty="0"/>
+              <a:t>/env-booking-</a:t>
+            </a:r>
+            <a:r>
+              <a:rPr lang="en-AU" dirty="0" err="1"/>
+              <a:t>api</a:t>
+            </a:r>
+            <a:endParaRPr lang="en-AU" dirty="0"/>
+          </a:p>
+          <a:p>
+            <a:pPr marL="0" indent="0">
+              <a:buNone/>
+            </a:pPr>
+            <a:r>
+              <a:rPr lang="en-AU" dirty="0" err="1"/>
+              <a:t>sam</a:t>
+            </a:r>
+            <a:r>
+              <a:rPr lang="en-AU" dirty="0"/>
+              <a:t> package \</a:t>
+            </a:r>
+          </a:p>
+          <a:p>
+            <a:pPr marL="0" indent="0">
+              <a:buNone/>
+            </a:pPr>
+            <a:r>
+              <a:rPr lang="en-AU" dirty="0"/>
+              <a:t>--template-file </a:t>
+            </a:r>
+            <a:r>
+              <a:rPr lang="en-AU" i="1" dirty="0" err="1"/>
+              <a:t>sam-template.yaml</a:t>
+            </a:r>
+            <a:r>
+              <a:rPr lang="en-AU" i="1" dirty="0"/>
+              <a:t> </a:t>
+            </a:r>
+            <a:r>
+              <a:rPr lang="en-AU" dirty="0"/>
+              <a:t>\</a:t>
+            </a:r>
+          </a:p>
+          <a:p>
+            <a:pPr marL="0" indent="0">
+              <a:buNone/>
+            </a:pPr>
+            <a:r>
+              <a:rPr lang="en-AU" dirty="0"/>
+              <a:t>--output-template-file </a:t>
+            </a:r>
+            <a:r>
+              <a:rPr lang="en-AU" i="1" dirty="0" err="1"/>
+              <a:t>sam</a:t>
+            </a:r>
+            <a:r>
+              <a:rPr lang="en-AU" i="1" dirty="0"/>
+              <a:t>-template-</a:t>
+            </a:r>
+            <a:r>
+              <a:rPr lang="en-AU" i="1" dirty="0" err="1"/>
+              <a:t>out.yaml</a:t>
+            </a:r>
+            <a:r>
+              <a:rPr lang="en-AU" i="1" dirty="0"/>
+              <a:t> </a:t>
+            </a:r>
+            <a:r>
+              <a:rPr lang="en-AU" dirty="0"/>
+              <a:t>\</a:t>
+            </a:r>
+          </a:p>
+          <a:p>
+            <a:pPr marL="0" indent="0">
+              <a:buNone/>
+            </a:pPr>
+            <a:r>
+              <a:rPr lang="en-AU" dirty="0"/>
+              <a:t>--s3-bucket </a:t>
+            </a:r>
+            <a:r>
+              <a:rPr lang="en-AU" i="1" dirty="0" err="1"/>
+              <a:t>damz</a:t>
+            </a:r>
+            <a:r>
+              <a:rPr lang="en-AU" i="1" dirty="0"/>
+              <a:t>-demo-</a:t>
+            </a:r>
+            <a:r>
+              <a:rPr lang="en-AU" i="1" dirty="0" err="1"/>
+              <a:t>sam</a:t>
+            </a:r>
+            <a:endParaRPr lang="en-AU" i="1" dirty="0"/>
+          </a:p>
+          <a:p>
+            <a:pPr marL="0" indent="0">
+              <a:buNone/>
+            </a:pPr>
+            <a:endParaRPr lang="en-AU" dirty="0"/>
+          </a:p>
+          <a:p>
+            <a:pPr marL="0" indent="0">
+              <a:buNone/>
+            </a:pPr>
+            <a:r>
+              <a:rPr lang="en-AU" dirty="0">
+                <a:solidFill>
+                  <a:srgbClr val="00B050"/>
+                </a:solidFill>
+              </a:rPr>
+              <a:t>#Generates a CloudFormation Template </a:t>
+            </a:r>
+            <a:r>
+              <a:rPr lang="en-AU" dirty="0" err="1">
+                <a:solidFill>
+                  <a:srgbClr val="00B050"/>
+                </a:solidFill>
+              </a:rPr>
+              <a:t>sam</a:t>
+            </a:r>
+            <a:r>
+              <a:rPr lang="en-AU" dirty="0">
+                <a:solidFill>
+                  <a:srgbClr val="00B050"/>
+                </a:solidFill>
+              </a:rPr>
+              <a:t>-template-</a:t>
+            </a:r>
+            <a:r>
+              <a:rPr lang="en-AU" dirty="0" err="1">
+                <a:solidFill>
+                  <a:srgbClr val="00B050"/>
+                </a:solidFill>
+              </a:rPr>
+              <a:t>out.yaml</a:t>
+            </a:r>
+            <a:r>
+              <a:rPr lang="en-AU" dirty="0">
+                <a:solidFill>
+                  <a:srgbClr val="00B050"/>
+                </a:solidFill>
+              </a:rPr>
+              <a:t> </a:t>
+            </a:r>
+          </a:p>
+        </p:txBody>
+      </p:sp>
+    </p:spTree>
+    <p:extLst>
+      <p:ext uri="{BB962C8B-B14F-4D97-AF65-F5344CB8AC3E}">
+        <p14:creationId xmlns:p14="http://schemas.microsoft.com/office/powerpoint/2010/main" val="2771937280"/>
+      </p:ext>
+    </p:extLst>
+  </p:cSld>
+  <p:clrMapOvr>
+    <a:masterClrMapping/>
+  </p:clrMapOvr>
+</p:sld>
+</file>
+
+<file path=ppt/slides/slide11.xml><?xml version="1.0" encoding="utf-8"?>
+<p:sld xmlns:a="http://schemas.openxmlformats.org/drawingml/2006/main" xmlns:r="http://schemas.openxmlformats.org/officeDocument/2006/relationships" xmlns:p="http://schemas.openxmlformats.org/presentationml/2006/main">
+  <p:cSld>
+    <p:spTree>
+      <p:nvGrpSpPr>
+        <p:cNvPr id="1" name=""/>
+        <p:cNvGrpSpPr/>
+        <p:nvPr/>
+      </p:nvGrpSpPr>
+      <p:grpSpPr>
+        <a:xfrm>
+          <a:off x="0" y="0"/>
+          <a:ext cx="0" cy="0"/>
+          <a:chOff x="0" y="0"/>
+          <a:chExt cx="0" cy="0"/>
+        </a:xfrm>
+      </p:grpSpPr>
+      <p:sp>
+        <p:nvSpPr>
+          <p:cNvPr id="2" name="Title 1">
+            <a:extLst>
+              <a:ext uri="{FF2B5EF4-FFF2-40B4-BE49-F238E27FC236}">
+                <a16:creationId xmlns:a16="http://schemas.microsoft.com/office/drawing/2014/main" id="{1870C462-A262-4197-8CA7-4B6FAB013FBA}"/>
+              </a:ext>
+            </a:extLst>
+          </p:cNvPr>
+          <p:cNvSpPr>
+            <a:spLocks noGrp="1"/>
+          </p:cNvSpPr>
+          <p:nvPr>
+            <p:ph type="title"/>
+          </p:nvPr>
+        </p:nvSpPr>
+        <p:spPr/>
+        <p:txBody>
+          <a:bodyPr/>
+          <a:lstStyle/>
+          <a:p>
+            <a:r>
+              <a:rPr lang="en-AU" dirty="0"/>
+              <a:t>Step 2 – Deploy CloudFormation Template</a:t>
+            </a:r>
+          </a:p>
+        </p:txBody>
+      </p:sp>
+      <p:sp>
+        <p:nvSpPr>
+          <p:cNvPr id="3" name="Content Placeholder 2">
+            <a:extLst>
+              <a:ext uri="{FF2B5EF4-FFF2-40B4-BE49-F238E27FC236}">
+                <a16:creationId xmlns:a16="http://schemas.microsoft.com/office/drawing/2014/main" id="{626DF73C-87CE-4067-9A02-691A5A24D7C7}"/>
+              </a:ext>
+            </a:extLst>
+          </p:cNvPr>
+          <p:cNvSpPr>
+            <a:spLocks noGrp="1"/>
+          </p:cNvSpPr>
+          <p:nvPr>
+            <p:ph idx="1"/>
+          </p:nvPr>
+        </p:nvSpPr>
+        <p:spPr/>
+        <p:txBody>
+          <a:bodyPr/>
+          <a:lstStyle/>
+          <a:p>
+            <a:pPr marL="0" indent="0">
+              <a:buNone/>
+            </a:pPr>
+            <a:r>
+              <a:rPr lang="en-AU" dirty="0" err="1"/>
+              <a:t>sam</a:t>
+            </a:r>
+            <a:r>
+              <a:rPr lang="en-AU" dirty="0"/>
+              <a:t> deploy \</a:t>
+            </a:r>
+          </a:p>
+          <a:p>
+            <a:pPr marL="0" indent="0">
+              <a:buNone/>
+            </a:pPr>
+            <a:r>
+              <a:rPr lang="en-AU" dirty="0"/>
+              <a:t>--template-file </a:t>
+            </a:r>
+            <a:r>
+              <a:rPr lang="en-AU" dirty="0" err="1"/>
+              <a:t>sam</a:t>
+            </a:r>
+            <a:r>
+              <a:rPr lang="en-AU" dirty="0"/>
+              <a:t>-template-</a:t>
+            </a:r>
+            <a:r>
+              <a:rPr lang="en-AU" dirty="0" err="1"/>
+              <a:t>out.yaml</a:t>
+            </a:r>
+            <a:r>
+              <a:rPr lang="en-AU" dirty="0"/>
+              <a:t> \</a:t>
+            </a:r>
+          </a:p>
+          <a:p>
+            <a:pPr marL="0" indent="0">
+              <a:buNone/>
+            </a:pPr>
+            <a:r>
+              <a:rPr lang="en-AU" dirty="0"/>
+              <a:t>--stack-name env-booking-</a:t>
+            </a:r>
+            <a:r>
+              <a:rPr lang="en-AU" dirty="0" err="1"/>
+              <a:t>api</a:t>
+            </a:r>
+            <a:r>
+              <a:rPr lang="en-AU" dirty="0"/>
+              <a:t>-stack \</a:t>
+            </a:r>
+          </a:p>
+          <a:p>
+            <a:pPr marL="0" indent="0">
+              <a:buNone/>
+            </a:pPr>
+            <a:r>
+              <a:rPr lang="en-AU" dirty="0"/>
+              <a:t>--capabilities CAPABILITY_IAM \</a:t>
+            </a:r>
+          </a:p>
+          <a:p>
+            <a:pPr marL="0" indent="0">
+              <a:buNone/>
+            </a:pPr>
+            <a:r>
+              <a:rPr lang="en-AU" dirty="0"/>
+              <a:t>--region ap-southeast-2</a:t>
+            </a:r>
+          </a:p>
+          <a:p>
+            <a:pPr marL="0" indent="0">
+              <a:buNone/>
+            </a:pPr>
+            <a:r>
+              <a:rPr lang="en-AU" sz="1600" dirty="0"/>
+              <a:t>(note: CAPABILITY_IAM is specified </a:t>
+            </a:r>
+            <a:r>
+              <a:rPr lang="en-US" sz="1600" dirty="0"/>
+              <a:t>is used to specify that you are OK creation of IAM related resources)</a:t>
+            </a:r>
+            <a:endParaRPr lang="en-AU" sz="1600" dirty="0"/>
+          </a:p>
+        </p:txBody>
+      </p:sp>
+    </p:spTree>
+    <p:extLst>
+      <p:ext uri="{BB962C8B-B14F-4D97-AF65-F5344CB8AC3E}">
+        <p14:creationId xmlns:p14="http://schemas.microsoft.com/office/powerpoint/2010/main" val="3240988729"/>
+      </p:ext>
+    </p:extLst>
+  </p:cSld>
+  <p:clrMapOvr>
+    <a:masterClrMapping/>
+  </p:clrMapOvr>
+</p:sld>
+</file>
+
+<file path=ppt/slides/slide2.xml><?xml version="1.0" encoding="utf-8"?>
+<p:sld xmlns:a="http://schemas.openxmlformats.org/drawingml/2006/main" xmlns:r="http://schemas.openxmlformats.org/officeDocument/2006/relationships" xmlns:p="http://schemas.openxmlformats.org/presentationml/2006/main">
+  <p:cSld>
+    <p:spTree>
+      <p:nvGrpSpPr>
+        <p:cNvPr id="1" name=""/>
+        <p:cNvGrpSpPr/>
+        <p:nvPr/>
+      </p:nvGrpSpPr>
+      <p:grpSpPr>
+        <a:xfrm>
+          <a:off x="0" y="0"/>
+          <a:ext cx="0" cy="0"/>
+          <a:chOff x="0" y="0"/>
+          <a:chExt cx="0" cy="0"/>
+        </a:xfrm>
+      </p:grpSpPr>
+      <p:sp>
+        <p:nvSpPr>
+          <p:cNvPr id="2" name="Title 1">
+            <a:extLst>
+              <a:ext uri="{FF2B5EF4-FFF2-40B4-BE49-F238E27FC236}">
+                <a16:creationId xmlns:a16="http://schemas.microsoft.com/office/drawing/2014/main" id="{8A109EF6-5FD8-4D77-95A1-B66874B80C61}"/>
+              </a:ext>
+            </a:extLst>
+          </p:cNvPr>
+          <p:cNvSpPr>
+            <a:spLocks noGrp="1"/>
+          </p:cNvSpPr>
+          <p:nvPr>
+            <p:ph type="title"/>
+          </p:nvPr>
+        </p:nvSpPr>
+        <p:spPr/>
+        <p:txBody>
+          <a:bodyPr/>
+          <a:lstStyle/>
+          <a:p>
+            <a:r>
+              <a:rPr lang="en-AU" dirty="0"/>
+              <a:t>AMAZON API GATEWAY</a:t>
+            </a:r>
+          </a:p>
+        </p:txBody>
+      </p:sp>
+      <p:sp>
+        <p:nvSpPr>
+          <p:cNvPr id="3" name="Content Placeholder 2">
+            <a:extLst>
+              <a:ext uri="{FF2B5EF4-FFF2-40B4-BE49-F238E27FC236}">
+                <a16:creationId xmlns:a16="http://schemas.microsoft.com/office/drawing/2014/main" id="{22A5922C-3A42-4F6D-B419-4F87247BB7CD}"/>
+              </a:ext>
+            </a:extLst>
+          </p:cNvPr>
+          <p:cNvSpPr>
+            <a:spLocks noGrp="1"/>
+          </p:cNvSpPr>
+          <p:nvPr>
+            <p:ph idx="1"/>
+          </p:nvPr>
+        </p:nvSpPr>
+        <p:spPr>
+          <a:xfrm>
+            <a:off x="838200" y="1356394"/>
+            <a:ext cx="10515600" cy="1206333"/>
+          </a:xfrm>
+        </p:spPr>
+        <p:txBody>
+          <a:bodyPr>
+            <a:normAutofit lnSpcReduction="10000"/>
+          </a:bodyPr>
+          <a:lstStyle/>
+          <a:p>
+            <a:pPr marL="0" indent="0">
+              <a:buNone/>
+            </a:pPr>
+            <a:r>
+              <a:rPr lang="en-AU" dirty="0"/>
+              <a:t>“</a:t>
+            </a:r>
+            <a:r>
+              <a:rPr lang="en-US" dirty="0"/>
+              <a:t>Amazon API Gateway is a fully managed service that makes it easy for developers to create, publish, maintain, monitor, and secure APIs at any scale.”</a:t>
+            </a:r>
+            <a:endParaRPr lang="en-AU" dirty="0"/>
+          </a:p>
+        </p:txBody>
+      </p:sp>
+      <p:pic>
+        <p:nvPicPr>
+          <p:cNvPr id="5" name="Picture 4">
+            <a:extLst>
+              <a:ext uri="{FF2B5EF4-FFF2-40B4-BE49-F238E27FC236}">
+                <a16:creationId xmlns:a16="http://schemas.microsoft.com/office/drawing/2014/main" id="{07E36D95-B3BE-4C66-88D2-7DA23919C08F}"/>
+              </a:ext>
+            </a:extLst>
+          </p:cNvPr>
+          <p:cNvPicPr>
+            <a:picLocks noChangeAspect="1"/>
+          </p:cNvPicPr>
+          <p:nvPr/>
+        </p:nvPicPr>
+        <p:blipFill>
+          <a:blip r:embed="rId2"/>
+          <a:stretch>
+            <a:fillRect/>
+          </a:stretch>
+        </p:blipFill>
+        <p:spPr>
+          <a:xfrm>
+            <a:off x="3164305" y="2612674"/>
+            <a:ext cx="8335628" cy="3568550"/>
+          </a:xfrm>
+          <a:prstGeom prst="rect">
+            <a:avLst/>
+          </a:prstGeom>
+        </p:spPr>
+      </p:pic>
+      <p:pic>
+        <p:nvPicPr>
+          <p:cNvPr id="8" name="Picture 7">
+            <a:extLst>
+              <a:ext uri="{FF2B5EF4-FFF2-40B4-BE49-F238E27FC236}">
+                <a16:creationId xmlns:a16="http://schemas.microsoft.com/office/drawing/2014/main" id="{509CAAC9-F3D5-4225-9435-F0AE05C06D01}"/>
+              </a:ext>
+            </a:extLst>
+          </p:cNvPr>
+          <p:cNvPicPr>
+            <a:picLocks noChangeAspect="1"/>
+          </p:cNvPicPr>
+          <p:nvPr/>
+        </p:nvPicPr>
+        <p:blipFill>
+          <a:blip r:embed="rId3"/>
+          <a:stretch>
+            <a:fillRect/>
+          </a:stretch>
+        </p:blipFill>
+        <p:spPr>
+          <a:xfrm>
+            <a:off x="838200" y="3776161"/>
+            <a:ext cx="1438275" cy="1038225"/>
+          </a:xfrm>
+          <a:prstGeom prst="rect">
+            <a:avLst/>
+          </a:prstGeom>
+        </p:spPr>
+      </p:pic>
+      <p:sp>
+        <p:nvSpPr>
+          <p:cNvPr id="9" name="Arrow: Left-Right 8">
+            <a:extLst>
+              <a:ext uri="{FF2B5EF4-FFF2-40B4-BE49-F238E27FC236}">
+                <a16:creationId xmlns:a16="http://schemas.microsoft.com/office/drawing/2014/main" id="{48205A03-DAFF-4004-88D0-3DEACB15B3B8}"/>
+              </a:ext>
+            </a:extLst>
+          </p:cNvPr>
+          <p:cNvSpPr/>
+          <p:nvPr/>
+        </p:nvSpPr>
+        <p:spPr>
+          <a:xfrm>
+            <a:off x="2276475" y="4206240"/>
+            <a:ext cx="957613" cy="155207"/>
+          </a:xfrm>
+          <a:prstGeom prst="leftRightArrow">
+            <a:avLst/>
+          </a:prstGeom>
+        </p:spPr>
+        <p:style>
+          <a:lnRef idx="2">
+            <a:schemeClr val="accent1">
+              <a:shade val="50000"/>
+            </a:schemeClr>
+          </a:lnRef>
+          <a:fillRef idx="1">
+            <a:schemeClr val="accent1"/>
+          </a:fillRef>
+          <a:effectRef idx="0">
+            <a:schemeClr val="accent1"/>
+          </a:effectRef>
+          <a:fontRef idx="minor">
+            <a:schemeClr val="lt1"/>
+          </a:fontRef>
+        </p:style>
+        <p:txBody>
+          <a:bodyPr rtlCol="0" anchor="ctr"/>
+          <a:lstStyle/>
+          <a:p>
+            <a:pPr algn="ctr"/>
+            <a:endParaRPr lang="en-AU"/>
+          </a:p>
+        </p:txBody>
+      </p:sp>
+    </p:spTree>
+    <p:extLst>
+      <p:ext uri="{BB962C8B-B14F-4D97-AF65-F5344CB8AC3E}">
+        <p14:creationId xmlns:p14="http://schemas.microsoft.com/office/powerpoint/2010/main" val="4092152561"/>
+      </p:ext>
+    </p:extLst>
+  </p:cSld>
+  <p:clrMapOvr>
+    <a:masterClrMapping/>
+  </p:clrMapOvr>
+</p:sld>
+</file>
+
+<file path=ppt/slides/slide3.xml><?xml version="1.0" encoding="utf-8"?>
+<p:sld xmlns:a="http://schemas.openxmlformats.org/drawingml/2006/main" xmlns:r="http://schemas.openxmlformats.org/officeDocument/2006/relationships" xmlns:p="http://schemas.openxmlformats.org/presentationml/2006/main">
+  <p:cSld>
     <p:spTree>
       <p:nvGrpSpPr>
         <p:cNvPr id="1" name=""/>
@@ -3886,6 +4867,422 @@
           </a:p>
         </p:txBody>
       </p:sp>
+      <p:sp>
+        <p:nvSpPr>
+          <p:cNvPr id="3" name="TextBox 2">
+            <a:extLst>
+              <a:ext uri="{FF2B5EF4-FFF2-40B4-BE49-F238E27FC236}">
+                <a16:creationId xmlns:a16="http://schemas.microsoft.com/office/drawing/2014/main" id="{4ED4EC5F-8C1D-4E7A-8946-D2F32908E1FC}"/>
+              </a:ext>
+            </a:extLst>
+          </p:cNvPr>
+          <p:cNvSpPr txBox="1"/>
+          <p:nvPr/>
+        </p:nvSpPr>
+        <p:spPr>
+          <a:xfrm>
+            <a:off x="5638800" y="2974109"/>
+            <a:ext cx="914400" cy="914400"/>
+          </a:xfrm>
+          <a:prstGeom prst="rect">
+            <a:avLst/>
+          </a:prstGeom>
+          <a:noFill/>
+        </p:spPr>
+        <p:txBody>
+          <a:bodyPr wrap="square" rtlCol="0">
+            <a:spAutoFit/>
+          </a:bodyPr>
+          <a:lstStyle/>
+          <a:p>
+            <a:endParaRPr lang="en-AU" dirty="0"/>
+          </a:p>
+        </p:txBody>
+      </p:sp>
+      <p:grpSp>
+        <p:nvGrpSpPr>
+          <p:cNvPr id="25" name="Group 24">
+            <a:extLst>
+              <a:ext uri="{FF2B5EF4-FFF2-40B4-BE49-F238E27FC236}">
+                <a16:creationId xmlns:a16="http://schemas.microsoft.com/office/drawing/2014/main" id="{E05261FD-ECB2-4326-AC85-830E5C40F8AD}"/>
+              </a:ext>
+            </a:extLst>
+          </p:cNvPr>
+          <p:cNvGrpSpPr/>
+          <p:nvPr/>
+        </p:nvGrpSpPr>
+        <p:grpSpPr>
+          <a:xfrm>
+            <a:off x="1097077" y="1492737"/>
+            <a:ext cx="2397035" cy="1078957"/>
+            <a:chOff x="1097077" y="1492737"/>
+            <a:chExt cx="2397035" cy="1078957"/>
+          </a:xfrm>
+        </p:grpSpPr>
+        <p:sp>
+          <p:nvSpPr>
+            <p:cNvPr id="5" name="TextBox 4">
+              <a:extLst>
+                <a:ext uri="{FF2B5EF4-FFF2-40B4-BE49-F238E27FC236}">
+                  <a16:creationId xmlns:a16="http://schemas.microsoft.com/office/drawing/2014/main" id="{29FC8E98-94BF-40A9-BDD0-0D5CD03117AF}"/>
+                </a:ext>
+              </a:extLst>
+            </p:cNvPr>
+            <p:cNvSpPr txBox="1"/>
+            <p:nvPr/>
+          </p:nvSpPr>
+          <p:spPr>
+            <a:xfrm>
+              <a:off x="1097077" y="1492737"/>
+              <a:ext cx="2397035" cy="369332"/>
+            </a:xfrm>
+            <a:prstGeom prst="rect">
+              <a:avLst/>
+            </a:prstGeom>
+            <a:noFill/>
+          </p:spPr>
+          <p:txBody>
+            <a:bodyPr wrap="square" rtlCol="0">
+              <a:spAutoFit/>
+            </a:bodyPr>
+            <a:lstStyle/>
+            <a:p>
+              <a:r>
+                <a:rPr lang="en-AU" dirty="0"/>
+                <a:t>User (Method) Request</a:t>
+              </a:r>
+            </a:p>
+          </p:txBody>
+        </p:sp>
+        <p:cxnSp>
+          <p:nvCxnSpPr>
+            <p:cNvPr id="9" name="Straight Arrow Connector 8">
+              <a:extLst>
+                <a:ext uri="{FF2B5EF4-FFF2-40B4-BE49-F238E27FC236}">
+                  <a16:creationId xmlns:a16="http://schemas.microsoft.com/office/drawing/2014/main" id="{1FE2F245-3361-48DB-9A61-01F08592E37B}"/>
+                </a:ext>
+              </a:extLst>
+            </p:cNvPr>
+            <p:cNvCxnSpPr/>
+            <p:nvPr/>
+          </p:nvCxnSpPr>
+          <p:spPr>
+            <a:xfrm flipH="1" flipV="1">
+              <a:off x="2454442" y="1878437"/>
+              <a:ext cx="556703" cy="693257"/>
+            </a:xfrm>
+            <a:prstGeom prst="straightConnector1">
+              <a:avLst/>
+            </a:prstGeom>
+            <a:ln>
+              <a:tailEnd type="triangle"/>
+            </a:ln>
+          </p:spPr>
+          <p:style>
+            <a:lnRef idx="1">
+              <a:schemeClr val="accent1"/>
+            </a:lnRef>
+            <a:fillRef idx="0">
+              <a:schemeClr val="accent1"/>
+            </a:fillRef>
+            <a:effectRef idx="0">
+              <a:schemeClr val="accent1"/>
+            </a:effectRef>
+            <a:fontRef idx="minor">
+              <a:schemeClr val="tx1"/>
+            </a:fontRef>
+          </p:style>
+        </p:cxnSp>
+      </p:grpSp>
+      <p:grpSp>
+        <p:nvGrpSpPr>
+          <p:cNvPr id="21" name="Group 20">
+            <a:extLst>
+              <a:ext uri="{FF2B5EF4-FFF2-40B4-BE49-F238E27FC236}">
+                <a16:creationId xmlns:a16="http://schemas.microsoft.com/office/drawing/2014/main" id="{3730BD0A-CB9B-4B48-BBA3-164C9887543D}"/>
+              </a:ext>
+            </a:extLst>
+          </p:cNvPr>
+          <p:cNvGrpSpPr/>
+          <p:nvPr/>
+        </p:nvGrpSpPr>
+        <p:grpSpPr>
+          <a:xfrm>
+            <a:off x="8646253" y="1132960"/>
+            <a:ext cx="2021747" cy="602060"/>
+            <a:chOff x="8646253" y="1132960"/>
+            <a:chExt cx="2021747" cy="602060"/>
+          </a:xfrm>
+        </p:grpSpPr>
+        <p:sp>
+          <p:nvSpPr>
+            <p:cNvPr id="17" name="TextBox 16">
+              <a:extLst>
+                <a:ext uri="{FF2B5EF4-FFF2-40B4-BE49-F238E27FC236}">
+                  <a16:creationId xmlns:a16="http://schemas.microsoft.com/office/drawing/2014/main" id="{02AB0733-CBAE-455E-9719-97EA05476033}"/>
+                </a:ext>
+              </a:extLst>
+            </p:cNvPr>
+            <p:cNvSpPr txBox="1"/>
+            <p:nvPr/>
+          </p:nvSpPr>
+          <p:spPr>
+            <a:xfrm>
+              <a:off x="8646253" y="1132960"/>
+              <a:ext cx="2021747" cy="369332"/>
+            </a:xfrm>
+            <a:prstGeom prst="rect">
+              <a:avLst/>
+            </a:prstGeom>
+            <a:noFill/>
+          </p:spPr>
+          <p:txBody>
+            <a:bodyPr wrap="square" rtlCol="0">
+              <a:spAutoFit/>
+            </a:bodyPr>
+            <a:lstStyle/>
+            <a:p>
+              <a:r>
+                <a:rPr lang="en-AU" dirty="0"/>
+                <a:t>Integration Request</a:t>
+              </a:r>
+            </a:p>
+          </p:txBody>
+        </p:sp>
+        <p:cxnSp>
+          <p:nvCxnSpPr>
+            <p:cNvPr id="11" name="Straight Arrow Connector 10">
+              <a:extLst>
+                <a:ext uri="{FF2B5EF4-FFF2-40B4-BE49-F238E27FC236}">
+                  <a16:creationId xmlns:a16="http://schemas.microsoft.com/office/drawing/2014/main" id="{F72D6DD3-772E-4F18-B35C-4D5B17B73432}"/>
+                </a:ext>
+              </a:extLst>
+            </p:cNvPr>
+            <p:cNvCxnSpPr/>
+            <p:nvPr/>
+          </p:nvCxnSpPr>
+          <p:spPr>
+            <a:xfrm flipV="1">
+              <a:off x="8721957" y="1412479"/>
+              <a:ext cx="317541" cy="322541"/>
+            </a:xfrm>
+            <a:prstGeom prst="straightConnector1">
+              <a:avLst/>
+            </a:prstGeom>
+            <a:ln>
+              <a:tailEnd type="triangle"/>
+            </a:ln>
+          </p:spPr>
+          <p:style>
+            <a:lnRef idx="1">
+              <a:schemeClr val="accent1"/>
+            </a:lnRef>
+            <a:fillRef idx="0">
+              <a:schemeClr val="accent1"/>
+            </a:fillRef>
+            <a:effectRef idx="0">
+              <a:schemeClr val="accent1"/>
+            </a:effectRef>
+            <a:fontRef idx="minor">
+              <a:schemeClr val="tx1"/>
+            </a:fontRef>
+          </p:style>
+        </p:cxnSp>
+      </p:grpSp>
+      <p:grpSp>
+        <p:nvGrpSpPr>
+          <p:cNvPr id="23" name="Group 22">
+            <a:extLst>
+              <a:ext uri="{FF2B5EF4-FFF2-40B4-BE49-F238E27FC236}">
+                <a16:creationId xmlns:a16="http://schemas.microsoft.com/office/drawing/2014/main" id="{A35AED08-861E-4230-B2E8-43C7E54BE29E}"/>
+              </a:ext>
+            </a:extLst>
+          </p:cNvPr>
+          <p:cNvGrpSpPr/>
+          <p:nvPr/>
+        </p:nvGrpSpPr>
+        <p:grpSpPr>
+          <a:xfrm>
+            <a:off x="2637322" y="5978353"/>
+            <a:ext cx="3733720" cy="604858"/>
+            <a:chOff x="2637322" y="5978353"/>
+            <a:chExt cx="3733720" cy="604858"/>
+          </a:xfrm>
+        </p:grpSpPr>
+        <p:sp>
+          <p:nvSpPr>
+            <p:cNvPr id="19" name="TextBox 18">
+              <a:extLst>
+                <a:ext uri="{FF2B5EF4-FFF2-40B4-BE49-F238E27FC236}">
+                  <a16:creationId xmlns:a16="http://schemas.microsoft.com/office/drawing/2014/main" id="{58DB2C0F-FB14-4916-8469-F71181E45AA9}"/>
+                </a:ext>
+              </a:extLst>
+            </p:cNvPr>
+            <p:cNvSpPr txBox="1"/>
+            <p:nvPr/>
+          </p:nvSpPr>
+          <p:spPr>
+            <a:xfrm>
+              <a:off x="3657600" y="6213879"/>
+              <a:ext cx="2713442" cy="369332"/>
+            </a:xfrm>
+            <a:prstGeom prst="rect">
+              <a:avLst/>
+            </a:prstGeom>
+            <a:noFill/>
+          </p:spPr>
+          <p:txBody>
+            <a:bodyPr wrap="square" rtlCol="0">
+              <a:spAutoFit/>
+            </a:bodyPr>
+            <a:lstStyle/>
+            <a:p>
+              <a:r>
+                <a:rPr lang="en-AU" dirty="0"/>
+                <a:t>User(Method) Response</a:t>
+              </a:r>
+            </a:p>
+          </p:txBody>
+        </p:sp>
+        <p:cxnSp>
+          <p:nvCxnSpPr>
+            <p:cNvPr id="14" name="Straight Arrow Connector 13">
+              <a:extLst>
+                <a:ext uri="{FF2B5EF4-FFF2-40B4-BE49-F238E27FC236}">
+                  <a16:creationId xmlns:a16="http://schemas.microsoft.com/office/drawing/2014/main" id="{BFCC2E5D-8765-4756-A851-68E5CF17D54D}"/>
+                </a:ext>
+              </a:extLst>
+            </p:cNvPr>
+            <p:cNvCxnSpPr>
+              <a:endCxn id="19" idx="1"/>
+            </p:cNvCxnSpPr>
+            <p:nvPr/>
+          </p:nvCxnSpPr>
+          <p:spPr>
+            <a:xfrm>
+              <a:off x="2637322" y="5978353"/>
+              <a:ext cx="1020278" cy="420192"/>
+            </a:xfrm>
+            <a:prstGeom prst="straightConnector1">
+              <a:avLst/>
+            </a:prstGeom>
+            <a:ln>
+              <a:tailEnd type="triangle"/>
+            </a:ln>
+          </p:spPr>
+          <p:style>
+            <a:lnRef idx="1">
+              <a:schemeClr val="accent1"/>
+            </a:lnRef>
+            <a:fillRef idx="0">
+              <a:schemeClr val="accent1"/>
+            </a:fillRef>
+            <a:effectRef idx="0">
+              <a:schemeClr val="accent1"/>
+            </a:effectRef>
+            <a:fontRef idx="minor">
+              <a:schemeClr val="tx1"/>
+            </a:fontRef>
+          </p:style>
+        </p:cxnSp>
+      </p:grpSp>
+      <p:grpSp>
+        <p:nvGrpSpPr>
+          <p:cNvPr id="27" name="Group 26">
+            <a:extLst>
+              <a:ext uri="{FF2B5EF4-FFF2-40B4-BE49-F238E27FC236}">
+                <a16:creationId xmlns:a16="http://schemas.microsoft.com/office/drawing/2014/main" id="{5BBA841B-1C38-407F-8FB2-B0CA09D14C6E}"/>
+              </a:ext>
+            </a:extLst>
+          </p:cNvPr>
+          <p:cNvGrpSpPr/>
+          <p:nvPr/>
+        </p:nvGrpSpPr>
+        <p:grpSpPr>
+          <a:xfrm>
+            <a:off x="7498080" y="5601696"/>
+            <a:ext cx="3493898" cy="721445"/>
+            <a:chOff x="7498080" y="5601696"/>
+            <a:chExt cx="3493898" cy="721445"/>
+          </a:xfrm>
+        </p:grpSpPr>
+        <p:sp>
+          <p:nvSpPr>
+            <p:cNvPr id="18" name="TextBox 17">
+              <a:extLst>
+                <a:ext uri="{FF2B5EF4-FFF2-40B4-BE49-F238E27FC236}">
+                  <a16:creationId xmlns:a16="http://schemas.microsoft.com/office/drawing/2014/main" id="{4375641A-B473-437E-8951-80B6303D1A8B}"/>
+                </a:ext>
+              </a:extLst>
+            </p:cNvPr>
+            <p:cNvSpPr txBox="1"/>
+            <p:nvPr/>
+          </p:nvSpPr>
+          <p:spPr>
+            <a:xfrm>
+              <a:off x="8672818" y="5953809"/>
+              <a:ext cx="2319160" cy="369332"/>
+            </a:xfrm>
+            <a:prstGeom prst="rect">
+              <a:avLst/>
+            </a:prstGeom>
+            <a:noFill/>
+          </p:spPr>
+          <p:txBody>
+            <a:bodyPr wrap="square" rtlCol="0">
+              <a:spAutoFit/>
+            </a:bodyPr>
+            <a:lstStyle/>
+            <a:p>
+              <a:r>
+                <a:rPr lang="en-AU" dirty="0"/>
+                <a:t>Integration Response</a:t>
+              </a:r>
+            </a:p>
+          </p:txBody>
+        </p:sp>
+        <p:cxnSp>
+          <p:nvCxnSpPr>
+            <p:cNvPr id="16" name="Straight Arrow Connector 15">
+              <a:extLst>
+                <a:ext uri="{FF2B5EF4-FFF2-40B4-BE49-F238E27FC236}">
+                  <a16:creationId xmlns:a16="http://schemas.microsoft.com/office/drawing/2014/main" id="{7D8C42BF-135B-4822-B4DA-5ADE666471D0}"/>
+                </a:ext>
+              </a:extLst>
+            </p:cNvPr>
+            <p:cNvCxnSpPr>
+              <a:endCxn id="18" idx="1"/>
+            </p:cNvCxnSpPr>
+            <p:nvPr/>
+          </p:nvCxnSpPr>
+          <p:spPr>
+            <a:xfrm>
+              <a:off x="7498080" y="5601696"/>
+              <a:ext cx="1174738" cy="536779"/>
+            </a:xfrm>
+            <a:prstGeom prst="straightConnector1">
+              <a:avLst/>
+            </a:prstGeom>
+            <a:ln>
+              <a:tailEnd type="triangle"/>
+            </a:ln>
+          </p:spPr>
+          <p:style>
+            <a:lnRef idx="1">
+              <a:schemeClr val="accent1"/>
+            </a:lnRef>
+            <a:fillRef idx="0">
+              <a:schemeClr val="accent1"/>
+            </a:fillRef>
+            <a:effectRef idx="0">
+              <a:schemeClr val="accent1"/>
+            </a:effectRef>
+            <a:fontRef idx="minor">
+              <a:schemeClr val="tx1"/>
+            </a:fontRef>
+          </p:style>
+        </p:cxnSp>
+      </p:grpSp>
     </p:spTree>
     <p:extLst>
       <p:ext uri="{BB962C8B-B14F-4D97-AF65-F5344CB8AC3E}">
@@ -4299,6 +5696,210 @@
                       </p:childTnLst>
                     </p:cTn>
                   </p:par>
+                  <p:par>
+                    <p:cTn id="36" fill="hold">
+                      <p:stCondLst>
+                        <p:cond delay="indefinite"/>
+                      </p:stCondLst>
+                      <p:childTnLst>
+                        <p:par>
+                          <p:cTn id="37" fill="hold">
+                            <p:stCondLst>
+                              <p:cond delay="0"/>
+                            </p:stCondLst>
+                            <p:childTnLst>
+                              <p:par>
+                                <p:cTn id="38" presetID="1" presetClass="entr" presetSubtype="0" fill="hold" nodeType="clickEffect">
+                                  <p:stCondLst>
+                                    <p:cond delay="0"/>
+                                  </p:stCondLst>
+                                  <p:childTnLst>
+                                    <p:set>
+                                      <p:cBhvr>
+                                        <p:cTn id="39" dur="1" fill="hold">
+                                          <p:stCondLst>
+                                            <p:cond delay="0"/>
+                                          </p:stCondLst>
+                                        </p:cTn>
+                                        <p:tgtEl>
+                                          <p:spTgt spid="25"/>
+                                        </p:tgtEl>
+                                        <p:attrNameLst>
+                                          <p:attrName>style.visibility</p:attrName>
+                                        </p:attrNameLst>
+                                      </p:cBhvr>
+                                      <p:to>
+                                        <p:strVal val="visible"/>
+                                      </p:to>
+                                    </p:set>
+                                  </p:childTnLst>
+                                </p:cTn>
+                              </p:par>
+                            </p:childTnLst>
+                          </p:cTn>
+                        </p:par>
+                      </p:childTnLst>
+                    </p:cTn>
+                  </p:par>
+                  <p:par>
+                    <p:cTn id="40" fill="hold">
+                      <p:stCondLst>
+                        <p:cond delay="indefinite"/>
+                      </p:stCondLst>
+                      <p:childTnLst>
+                        <p:par>
+                          <p:cTn id="41" fill="hold">
+                            <p:stCondLst>
+                              <p:cond delay="0"/>
+                            </p:stCondLst>
+                            <p:childTnLst>
+                              <p:par>
+                                <p:cTn id="42" presetID="16" presetClass="entr" presetSubtype="21" fill="hold" nodeType="clickEffect">
+                                  <p:stCondLst>
+                                    <p:cond delay="0"/>
+                                  </p:stCondLst>
+                                  <p:childTnLst>
+                                    <p:set>
+                                      <p:cBhvr>
+                                        <p:cTn id="43" dur="1" fill="hold">
+                                          <p:stCondLst>
+                                            <p:cond delay="0"/>
+                                          </p:stCondLst>
+                                        </p:cTn>
+                                        <p:tgtEl>
+                                          <p:spTgt spid="21"/>
+                                        </p:tgtEl>
+                                        <p:attrNameLst>
+                                          <p:attrName>style.visibility</p:attrName>
+                                        </p:attrNameLst>
+                                      </p:cBhvr>
+                                      <p:to>
+                                        <p:strVal val="visible"/>
+                                      </p:to>
+                                    </p:set>
+                                    <p:animEffect transition="in" filter="barn(inVertical)">
+                                      <p:cBhvr>
+                                        <p:cTn id="44" dur="500"/>
+                                        <p:tgtEl>
+                                          <p:spTgt spid="21"/>
+                                        </p:tgtEl>
+                                      </p:cBhvr>
+                                    </p:animEffect>
+                                  </p:childTnLst>
+                                </p:cTn>
+                              </p:par>
+                            </p:childTnLst>
+                          </p:cTn>
+                        </p:par>
+                      </p:childTnLst>
+                    </p:cTn>
+                  </p:par>
+                  <p:par>
+                    <p:cTn id="45" fill="hold">
+                      <p:stCondLst>
+                        <p:cond delay="indefinite"/>
+                      </p:stCondLst>
+                      <p:childTnLst>
+                        <p:par>
+                          <p:cTn id="46" fill="hold">
+                            <p:stCondLst>
+                              <p:cond delay="0"/>
+                            </p:stCondLst>
+                            <p:childTnLst>
+                              <p:par>
+                                <p:cTn id="47" presetID="16" presetClass="entr" presetSubtype="21" fill="hold" nodeType="clickEffect">
+                                  <p:stCondLst>
+                                    <p:cond delay="0"/>
+                                  </p:stCondLst>
+                                  <p:childTnLst>
+                                    <p:set>
+                                      <p:cBhvr>
+                                        <p:cTn id="48" dur="1" fill="hold">
+                                          <p:stCondLst>
+                                            <p:cond delay="0"/>
+                                          </p:stCondLst>
+                                        </p:cTn>
+                                        <p:tgtEl>
+                                          <p:spTgt spid="27"/>
+                                        </p:tgtEl>
+                                        <p:attrNameLst>
+                                          <p:attrName>style.visibility</p:attrName>
+                                        </p:attrNameLst>
+                                      </p:cBhvr>
+                                      <p:to>
+                                        <p:strVal val="visible"/>
+                                      </p:to>
+                                    </p:set>
+                                    <p:animEffect transition="in" filter="barn(inVertical)">
+                                      <p:cBhvr>
+                                        <p:cTn id="49" dur="500"/>
+                                        <p:tgtEl>
+                                          <p:spTgt spid="27"/>
+                                        </p:tgtEl>
+                                      </p:cBhvr>
+                                    </p:animEffect>
+                                  </p:childTnLst>
+                                </p:cTn>
+                              </p:par>
+                            </p:childTnLst>
+                          </p:cTn>
+                        </p:par>
+                      </p:childTnLst>
+                    </p:cTn>
+                  </p:par>
+                  <p:par>
+                    <p:cTn id="50" fill="hold">
+                      <p:stCondLst>
+                        <p:cond delay="indefinite"/>
+                      </p:stCondLst>
+                      <p:childTnLst>
+                        <p:par>
+                          <p:cTn id="51" fill="hold">
+                            <p:stCondLst>
+                              <p:cond delay="0"/>
+                            </p:stCondLst>
+                            <p:childTnLst>
+                              <p:par>
+                                <p:cTn id="52" presetID="16" presetClass="entr" presetSubtype="21" fill="hold" nodeType="clickEffect">
+                                  <p:stCondLst>
+                                    <p:cond delay="0"/>
+                                  </p:stCondLst>
+                                  <p:childTnLst>
+                                    <p:set>
+                                      <p:cBhvr>
+                                        <p:cTn id="53" dur="1" fill="hold">
+                                          <p:stCondLst>
+                                            <p:cond delay="0"/>
+                                          </p:stCondLst>
+                                        </p:cTn>
+                                        <p:tgtEl>
+                                          <p:spTgt spid="23"/>
+                                        </p:tgtEl>
+                                        <p:attrNameLst>
+                                          <p:attrName>style.visibility</p:attrName>
+                                        </p:attrNameLst>
+                                      </p:cBhvr>
+                                      <p:to>
+                                        <p:strVal val="visible"/>
+                                      </p:to>
+                                    </p:set>
+                                    <p:animEffect transition="in" filter="barn(inVertical)">
+                                      <p:cBhvr>
+                                        <p:cTn id="54" dur="500"/>
+                                        <p:tgtEl>
+                                          <p:spTgt spid="23"/>
+                                        </p:tgtEl>
+                                      </p:cBhvr>
+                                    </p:animEffect>
+                                  </p:childTnLst>
+                                </p:cTn>
+                              </p:par>
+                            </p:childTnLst>
+                          </p:cTn>
+                        </p:par>
+                      </p:childTnLst>
+                    </p:cTn>
+                  </p:par>
                 </p:childTnLst>
               </p:cTn>
               <p:prevCondLst>
@@ -4330,7 +5931,7 @@
 </p:sld>
 </file>
 
-<file path=ppt/slides/slide2.xml><?xml version="1.0" encoding="utf-8"?>
+<file path=ppt/slides/slide4.xml><?xml version="1.0" encoding="utf-8"?>
 <p:sld xmlns:a="http://schemas.openxmlformats.org/drawingml/2006/main" xmlns:r="http://schemas.openxmlformats.org/officeDocument/2006/relationships" xmlns:p="http://schemas.openxmlformats.org/presentationml/2006/main">
   <p:cSld>
     <p:spTree>
@@ -4390,286 +5991,6 @@
 </p:sld>
 </file>
 
-<file path=ppt/slides/slide3.xml><?xml version="1.0" encoding="utf-8"?>
-<p:sld xmlns:a="http://schemas.openxmlformats.org/drawingml/2006/main" xmlns:r="http://schemas.openxmlformats.org/officeDocument/2006/relationships" xmlns:p="http://schemas.openxmlformats.org/presentationml/2006/main">
-  <p:cSld>
-    <p:spTree>
-      <p:nvGrpSpPr>
-        <p:cNvPr id="1" name=""/>
-        <p:cNvGrpSpPr/>
-        <p:nvPr/>
-      </p:nvGrpSpPr>
-      <p:grpSpPr>
-        <a:xfrm>
-          <a:off x="0" y="0"/>
-          <a:ext cx="0" cy="0"/>
-          <a:chOff x="0" y="0"/>
-          <a:chExt cx="0" cy="0"/>
-        </a:xfrm>
-      </p:grpSpPr>
-      <p:sp>
-        <p:nvSpPr>
-          <p:cNvPr id="2" name="Title 1">
-            <a:extLst>
-              <a:ext uri="{FF2B5EF4-FFF2-40B4-BE49-F238E27FC236}">
-                <a16:creationId xmlns:a16="http://schemas.microsoft.com/office/drawing/2014/main" id="{8A109EF6-5FD8-4D77-95A1-B66874B80C61}"/>
-              </a:ext>
-            </a:extLst>
-          </p:cNvPr>
-          <p:cNvSpPr>
-            <a:spLocks noGrp="1"/>
-          </p:cNvSpPr>
-          <p:nvPr>
-            <p:ph type="title"/>
-          </p:nvPr>
-        </p:nvSpPr>
-        <p:spPr/>
-        <p:txBody>
-          <a:bodyPr/>
-          <a:lstStyle/>
-          <a:p>
-            <a:r>
-              <a:rPr lang="en-AU" dirty="0"/>
-              <a:t>AMAZON API GATEWAY</a:t>
-            </a:r>
-          </a:p>
-        </p:txBody>
-      </p:sp>
-      <p:sp>
-        <p:nvSpPr>
-          <p:cNvPr id="3" name="Content Placeholder 2">
-            <a:extLst>
-              <a:ext uri="{FF2B5EF4-FFF2-40B4-BE49-F238E27FC236}">
-                <a16:creationId xmlns:a16="http://schemas.microsoft.com/office/drawing/2014/main" id="{22A5922C-3A42-4F6D-B419-4F87247BB7CD}"/>
-              </a:ext>
-            </a:extLst>
-          </p:cNvPr>
-          <p:cNvSpPr>
-            <a:spLocks noGrp="1"/>
-          </p:cNvSpPr>
-          <p:nvPr>
-            <p:ph idx="1"/>
-          </p:nvPr>
-        </p:nvSpPr>
-        <p:spPr>
-          <a:xfrm>
-            <a:off x="838200" y="1356394"/>
-            <a:ext cx="10515600" cy="1206333"/>
-          </a:xfrm>
-        </p:spPr>
-        <p:txBody>
-          <a:bodyPr>
-            <a:normAutofit lnSpcReduction="10000"/>
-          </a:bodyPr>
-          <a:lstStyle/>
-          <a:p>
-            <a:pPr marL="0" indent="0">
-              <a:buNone/>
-            </a:pPr>
-            <a:r>
-              <a:rPr lang="en-AU" dirty="0"/>
-              <a:t>“</a:t>
-            </a:r>
-            <a:r>
-              <a:rPr lang="en-US" dirty="0"/>
-              <a:t>Amazon API Gateway is a fully managed service that makes it easy for developers to create, publish, maintain, monitor, and secure APIs at any scale.”</a:t>
-            </a:r>
-            <a:endParaRPr lang="en-AU" dirty="0"/>
-          </a:p>
-        </p:txBody>
-      </p:sp>
-      <p:pic>
-        <p:nvPicPr>
-          <p:cNvPr id="5" name="Picture 4">
-            <a:extLst>
-              <a:ext uri="{FF2B5EF4-FFF2-40B4-BE49-F238E27FC236}">
-                <a16:creationId xmlns:a16="http://schemas.microsoft.com/office/drawing/2014/main" id="{07E36D95-B3BE-4C66-88D2-7DA23919C08F}"/>
-              </a:ext>
-            </a:extLst>
-          </p:cNvPr>
-          <p:cNvPicPr>
-            <a:picLocks noChangeAspect="1"/>
-          </p:cNvPicPr>
-          <p:nvPr/>
-        </p:nvPicPr>
-        <p:blipFill>
-          <a:blip r:embed="rId2"/>
-          <a:stretch>
-            <a:fillRect/>
-          </a:stretch>
-        </p:blipFill>
-        <p:spPr>
-          <a:xfrm>
-            <a:off x="3164305" y="2612674"/>
-            <a:ext cx="8335628" cy="3568550"/>
-          </a:xfrm>
-          <a:prstGeom prst="rect">
-            <a:avLst/>
-          </a:prstGeom>
-        </p:spPr>
-      </p:pic>
-      <p:pic>
-        <p:nvPicPr>
-          <p:cNvPr id="8" name="Picture 7">
-            <a:extLst>
-              <a:ext uri="{FF2B5EF4-FFF2-40B4-BE49-F238E27FC236}">
-                <a16:creationId xmlns:a16="http://schemas.microsoft.com/office/drawing/2014/main" id="{509CAAC9-F3D5-4225-9435-F0AE05C06D01}"/>
-              </a:ext>
-            </a:extLst>
-          </p:cNvPr>
-          <p:cNvPicPr>
-            <a:picLocks noChangeAspect="1"/>
-          </p:cNvPicPr>
-          <p:nvPr/>
-        </p:nvPicPr>
-        <p:blipFill>
-          <a:blip r:embed="rId3"/>
-          <a:stretch>
-            <a:fillRect/>
-          </a:stretch>
-        </p:blipFill>
-        <p:spPr>
-          <a:xfrm>
-            <a:off x="838200" y="3776161"/>
-            <a:ext cx="1438275" cy="1038225"/>
-          </a:xfrm>
-          <a:prstGeom prst="rect">
-            <a:avLst/>
-          </a:prstGeom>
-        </p:spPr>
-      </p:pic>
-      <p:sp>
-        <p:nvSpPr>
-          <p:cNvPr id="9" name="Arrow: Left-Right 8">
-            <a:extLst>
-              <a:ext uri="{FF2B5EF4-FFF2-40B4-BE49-F238E27FC236}">
-                <a16:creationId xmlns:a16="http://schemas.microsoft.com/office/drawing/2014/main" id="{48205A03-DAFF-4004-88D0-3DEACB15B3B8}"/>
-              </a:ext>
-            </a:extLst>
-          </p:cNvPr>
-          <p:cNvSpPr/>
-          <p:nvPr/>
-        </p:nvSpPr>
-        <p:spPr>
-          <a:xfrm>
-            <a:off x="2276475" y="4206240"/>
-            <a:ext cx="957613" cy="155207"/>
-          </a:xfrm>
-          <a:prstGeom prst="leftRightArrow">
-            <a:avLst/>
-          </a:prstGeom>
-        </p:spPr>
-        <p:style>
-          <a:lnRef idx="2">
-            <a:schemeClr val="accent1">
-              <a:shade val="50000"/>
-            </a:schemeClr>
-          </a:lnRef>
-          <a:fillRef idx="1">
-            <a:schemeClr val="accent1"/>
-          </a:fillRef>
-          <a:effectRef idx="0">
-            <a:schemeClr val="accent1"/>
-          </a:effectRef>
-          <a:fontRef idx="minor">
-            <a:schemeClr val="lt1"/>
-          </a:fontRef>
-        </p:style>
-        <p:txBody>
-          <a:bodyPr rtlCol="0" anchor="ctr"/>
-          <a:lstStyle/>
-          <a:p>
-            <a:pPr algn="ctr"/>
-            <a:endParaRPr lang="en-AU"/>
-          </a:p>
-        </p:txBody>
-      </p:sp>
-    </p:spTree>
-    <p:extLst>
-      <p:ext uri="{BB962C8B-B14F-4D97-AF65-F5344CB8AC3E}">
-        <p14:creationId xmlns:p14="http://schemas.microsoft.com/office/powerpoint/2010/main" val="4092152561"/>
-      </p:ext>
-    </p:extLst>
-  </p:cSld>
-  <p:clrMapOvr>
-    <a:masterClrMapping/>
-  </p:clrMapOvr>
-</p:sld>
-</file>
-
-<file path=ppt/slides/slide4.xml><?xml version="1.0" encoding="utf-8"?>
-<p:sld xmlns:a="http://schemas.openxmlformats.org/drawingml/2006/main" xmlns:r="http://schemas.openxmlformats.org/officeDocument/2006/relationships" xmlns:p="http://schemas.openxmlformats.org/presentationml/2006/main">
-  <p:cSld>
-    <p:spTree>
-      <p:nvGrpSpPr>
-        <p:cNvPr id="1" name=""/>
-        <p:cNvGrpSpPr/>
-        <p:nvPr/>
-      </p:nvGrpSpPr>
-      <p:grpSpPr>
-        <a:xfrm>
-          <a:off x="0" y="0"/>
-          <a:ext cx="0" cy="0"/>
-          <a:chOff x="0" y="0"/>
-          <a:chExt cx="0" cy="0"/>
-        </a:xfrm>
-      </p:grpSpPr>
-      <p:sp>
-        <p:nvSpPr>
-          <p:cNvPr id="2" name="Title 1">
-            <a:extLst>
-              <a:ext uri="{FF2B5EF4-FFF2-40B4-BE49-F238E27FC236}">
-                <a16:creationId xmlns:a16="http://schemas.microsoft.com/office/drawing/2014/main" id="{A65573CD-3D1A-4C0B-8825-9908ECABC6A3}"/>
-              </a:ext>
-            </a:extLst>
-          </p:cNvPr>
-          <p:cNvSpPr>
-            <a:spLocks noGrp="1"/>
-          </p:cNvSpPr>
-          <p:nvPr>
-            <p:ph type="title"/>
-          </p:nvPr>
-        </p:nvSpPr>
-        <p:spPr>
-          <a:xfrm>
-            <a:off x="838200" y="365125"/>
-            <a:ext cx="10515600" cy="3359852"/>
-          </a:xfrm>
-        </p:spPr>
-        <p:txBody>
-          <a:bodyPr/>
-          <a:lstStyle/>
-          <a:p>
-            <a:r>
-              <a:rPr lang="en-AU" dirty="0"/>
-              <a:t>Demo</a:t>
-            </a:r>
-            <a:br>
-              <a:rPr lang="en-AU" dirty="0"/>
-            </a:br>
-            <a:br>
-              <a:rPr lang="en-AU" dirty="0"/>
-            </a:br>
-            <a:r>
-              <a:rPr lang="en-AU" dirty="0"/>
-              <a:t>Create AWS API – via Console</a:t>
-            </a:r>
-          </a:p>
-        </p:txBody>
-      </p:sp>
-    </p:spTree>
-    <p:extLst>
-      <p:ext uri="{BB962C8B-B14F-4D97-AF65-F5344CB8AC3E}">
-        <p14:creationId xmlns:p14="http://schemas.microsoft.com/office/powerpoint/2010/main" val="916648120"/>
-      </p:ext>
-    </p:extLst>
-  </p:cSld>
-  <p:clrMapOvr>
-    <a:masterClrMapping/>
-  </p:clrMapOvr>
-</p:sld>
-</file>
-
 <file path=ppt/slides/slide5.xml><?xml version="1.0" encoding="utf-8"?>
 <p:sld xmlns:a="http://schemas.openxmlformats.org/drawingml/2006/main" xmlns:r="http://schemas.openxmlformats.org/officeDocument/2006/relationships" xmlns:p="http://schemas.openxmlformats.org/presentationml/2006/main">
   <p:cSld>
@@ -4692,7 +6013,7 @@
           <p:cNvPr id="2" name="Title 1">
             <a:extLst>
               <a:ext uri="{FF2B5EF4-FFF2-40B4-BE49-F238E27FC236}">
-                <a16:creationId xmlns:a16="http://schemas.microsoft.com/office/drawing/2014/main" id="{2C837FA6-A075-4815-8B76-627A6D74CF24}"/>
+                <a16:creationId xmlns:a16="http://schemas.microsoft.com/office/drawing/2014/main" id="{A65573CD-3D1A-4C0B-8825-9908ECABC6A3}"/>
               </a:ext>
             </a:extLst>
           </p:cNvPr>
@@ -4706,130 +6027,34 @@
         <p:spPr>
           <a:xfrm>
             <a:off x="838200" y="365125"/>
-            <a:ext cx="10515600" cy="1325563"/>
+            <a:ext cx="10515600" cy="3359852"/>
           </a:xfrm>
         </p:spPr>
         <p:txBody>
-          <a:bodyPr>
-            <a:normAutofit/>
-          </a:bodyPr>
-          <a:lstStyle/>
-          <a:p>
-            <a:r>
-              <a:rPr lang="en-AU" sz="4000" dirty="0"/>
-              <a:t>SWAGGER - Standard Approach to define An API</a:t>
-            </a:r>
-          </a:p>
-        </p:txBody>
-      </p:sp>
-      <p:sp>
-        <p:nvSpPr>
-          <p:cNvPr id="3" name="Content Placeholder 2">
-            <a:extLst>
-              <a:ext uri="{FF2B5EF4-FFF2-40B4-BE49-F238E27FC236}">
-                <a16:creationId xmlns:a16="http://schemas.microsoft.com/office/drawing/2014/main" id="{E94F2F84-EED3-4B1F-B2D0-FD142B96B743}"/>
-              </a:ext>
-            </a:extLst>
-          </p:cNvPr>
-          <p:cNvSpPr>
-            <a:spLocks noGrp="1"/>
-          </p:cNvSpPr>
-          <p:nvPr>
-            <p:ph idx="1"/>
-          </p:nvPr>
-        </p:nvSpPr>
-        <p:spPr>
-          <a:xfrm>
-            <a:off x="838200" y="1690688"/>
-            <a:ext cx="10515600" cy="4486275"/>
-          </a:xfrm>
-        </p:spPr>
-        <p:txBody>
           <a:bodyPr/>
           <a:lstStyle/>
           <a:p>
             <a:r>
-              <a:rPr lang="en-US" dirty="0"/>
-              <a:t>Is an open-source software framework that helps developers </a:t>
-            </a:r>
-            <a:r>
-              <a:rPr lang="en-US" b="1" dirty="0"/>
-              <a:t>design</a:t>
-            </a:r>
-            <a:r>
-              <a:rPr lang="en-US" dirty="0"/>
-              <a:t>, </a:t>
-            </a:r>
-            <a:r>
-              <a:rPr lang="en-US" b="1" dirty="0"/>
-              <a:t>build</a:t>
-            </a:r>
-            <a:r>
-              <a:rPr lang="en-US" dirty="0"/>
-              <a:t>, </a:t>
-            </a:r>
-            <a:r>
-              <a:rPr lang="en-US" b="1" dirty="0"/>
-              <a:t>document</a:t>
-            </a:r>
-            <a:r>
-              <a:rPr lang="en-US" dirty="0"/>
-              <a:t>, and RESTful Web services</a:t>
-            </a:r>
-          </a:p>
-          <a:p>
-            <a:r>
-              <a:rPr lang="en-US" dirty="0"/>
-              <a:t>Also know as “</a:t>
-            </a:r>
-            <a:r>
               <a:rPr lang="en-AU" dirty="0"/>
-              <a:t>Open API Specification”</a:t>
-            </a:r>
-          </a:p>
-          <a:p>
-            <a:r>
+              <a:t>Demo</a:t>
+            </a:r>
+            <a:br>
               <a:rPr lang="en-AU" dirty="0"/>
-              <a:t>We will use Swagger based approach to define</a:t>
-            </a:r>
-          </a:p>
-          <a:p>
-            <a:pPr lvl="1"/>
-            <a:r>
+            </a:br>
+            <a:br>
               <a:rPr lang="en-AU" dirty="0"/>
-              <a:t>Our API</a:t>
-            </a:r>
-          </a:p>
-          <a:p>
-            <a:pPr lvl="1"/>
+            </a:br>
             <a:r>
               <a:rPr lang="en-AU" dirty="0"/>
-              <a:t>Integrate API with Lambda Function</a:t>
-            </a:r>
-          </a:p>
-          <a:p>
-            <a:pPr lvl="1"/>
-            <a:r>
-              <a:rPr lang="en-AU" dirty="0"/>
-              <a:t>Use SAM to deploy the API and the related Lambda function</a:t>
-            </a:r>
-          </a:p>
-          <a:p>
-            <a:r>
-              <a:rPr lang="en-AU" dirty="0"/>
-              <a:t>Let’s look at a simple swagger file which defines a couple of ‘Env Booking API’</a:t>
-            </a:r>
-          </a:p>
-          <a:p>
-            <a:pPr lvl="1"/>
-            <a:endParaRPr lang="en-AU" dirty="0"/>
+              <a:t>Create AWS API – via Console</a:t>
+            </a:r>
           </a:p>
         </p:txBody>
       </p:sp>
     </p:spTree>
     <p:extLst>
       <p:ext uri="{BB962C8B-B14F-4D97-AF65-F5344CB8AC3E}">
-        <p14:creationId xmlns:p14="http://schemas.microsoft.com/office/powerpoint/2010/main" val="3706890671"/>
+        <p14:creationId xmlns:p14="http://schemas.microsoft.com/office/powerpoint/2010/main" val="916648120"/>
       </p:ext>
     </p:extLst>
   </p:cSld>
@@ -4858,97 +6083,10 @@
       </p:grpSpPr>
       <p:sp>
         <p:nvSpPr>
-          <p:cNvPr id="3" name="Content Placeholder 2">
-            <a:extLst>
-              <a:ext uri="{FF2B5EF4-FFF2-40B4-BE49-F238E27FC236}">
-                <a16:creationId xmlns:a16="http://schemas.microsoft.com/office/drawing/2014/main" id="{83EE7449-7BD9-493C-8E17-9C653204BC52}"/>
-              </a:ext>
-            </a:extLst>
-          </p:cNvPr>
-          <p:cNvSpPr>
-            <a:spLocks noGrp="1"/>
-          </p:cNvSpPr>
-          <p:nvPr>
-            <p:ph idx="1"/>
-          </p:nvPr>
-        </p:nvSpPr>
-        <p:spPr>
-          <a:xfrm>
-            <a:off x="838200" y="1895912"/>
-            <a:ext cx="10515600" cy="4281051"/>
-          </a:xfrm>
-        </p:spPr>
-        <p:txBody>
-          <a:bodyPr>
-            <a:normAutofit/>
-          </a:bodyPr>
-          <a:lstStyle/>
-          <a:p>
-            <a:r>
-              <a:rPr lang="en-US" sz="3200" dirty="0"/>
-              <a:t>SAM Templates are used to define resources such as APIs, lambda functions, databases, and </a:t>
-            </a:r>
-            <a:r>
-              <a:rPr lang="en-US" sz="3200" dirty="0">
-                <a:hlinkClick r:id="rId2"/>
-              </a:rPr>
-              <a:t>event source mappings</a:t>
-            </a:r>
-            <a:r>
-              <a:rPr lang="en-US" sz="3200" dirty="0"/>
-              <a:t>.</a:t>
-            </a:r>
-          </a:p>
-          <a:p>
-            <a:r>
-              <a:rPr lang="en-US" sz="3200" dirty="0"/>
-              <a:t>A look at our SAM Template which when deployed will create the following resources:</a:t>
-            </a:r>
-          </a:p>
-          <a:p>
-            <a:pPr lvl="1"/>
-            <a:r>
-              <a:rPr lang="en-US" sz="3000" dirty="0"/>
-              <a:t>An API Gateway for Env Booking with 2 methods</a:t>
-            </a:r>
-          </a:p>
-          <a:p>
-            <a:pPr lvl="1"/>
-            <a:r>
-              <a:rPr lang="en-US" sz="3000" dirty="0"/>
-              <a:t>A simple table in </a:t>
-            </a:r>
-            <a:r>
-              <a:rPr lang="en-US" sz="3000" dirty="0" err="1"/>
-              <a:t>DynamoDb</a:t>
-            </a:r>
-            <a:r>
-              <a:rPr lang="en-US" sz="3000" dirty="0"/>
-              <a:t> NoSQL database</a:t>
-            </a:r>
-          </a:p>
-          <a:p>
-            <a:pPr lvl="1"/>
-            <a:r>
-              <a:rPr lang="en-US" sz="3000" dirty="0"/>
-              <a:t>2 lambda functions corresponding to the 2 API methods</a:t>
-            </a:r>
-          </a:p>
-          <a:p>
-            <a:pPr lvl="1"/>
-            <a:r>
-              <a:rPr lang="en-US" sz="3000" dirty="0"/>
-              <a:t>2 IAM roles, defining permission for each lambda function</a:t>
-            </a:r>
-          </a:p>
-        </p:txBody>
-      </p:sp>
-      <p:sp>
-        <p:nvSpPr>
-          <p:cNvPr id="4" name="Title 1">
-            <a:extLst>
-              <a:ext uri="{FF2B5EF4-FFF2-40B4-BE49-F238E27FC236}">
-                <a16:creationId xmlns:a16="http://schemas.microsoft.com/office/drawing/2014/main" id="{DA3DBA8B-3BE8-4879-945F-8069EDDD54AD}"/>
+          <p:cNvPr id="2" name="Title 1">
+            <a:extLst>
+              <a:ext uri="{FF2B5EF4-FFF2-40B4-BE49-F238E27FC236}">
+                <a16:creationId xmlns:a16="http://schemas.microsoft.com/office/drawing/2014/main" id="{2C837FA6-A075-4815-8B76-627A6D74CF24}"/>
               </a:ext>
             </a:extLst>
           </p:cNvPr>
@@ -4967,70 +6105,129 @@
         </p:spPr>
         <p:txBody>
           <a:bodyPr>
-            <a:normAutofit fontScale="90000"/>
+            <a:normAutofit/>
           </a:bodyPr>
           <a:lstStyle/>
           <a:p>
-            <a:pPr algn="ctr"/>
-            <a:r>
-              <a:rPr lang="en-AU" b="1" dirty="0"/>
-              <a:t>SAM - </a:t>
+            <a:r>
+              <a:rPr lang="en-AU" sz="4000" dirty="0"/>
+              <a:t>SWAGGER - Standard Approach to define An API</a:t>
+            </a:r>
+          </a:p>
+        </p:txBody>
+      </p:sp>
+      <p:sp>
+        <p:nvSpPr>
+          <p:cNvPr id="3" name="Content Placeholder 2">
+            <a:extLst>
+              <a:ext uri="{FF2B5EF4-FFF2-40B4-BE49-F238E27FC236}">
+                <a16:creationId xmlns:a16="http://schemas.microsoft.com/office/drawing/2014/main" id="{E94F2F84-EED3-4B1F-B2D0-FD142B96B743}"/>
+              </a:ext>
+            </a:extLst>
+          </p:cNvPr>
+          <p:cNvSpPr>
+            <a:spLocks noGrp="1"/>
+          </p:cNvSpPr>
+          <p:nvPr>
+            <p:ph idx="1"/>
+          </p:nvPr>
+        </p:nvSpPr>
+        <p:spPr>
+          <a:xfrm>
+            <a:off x="838200" y="1690688"/>
+            <a:ext cx="10515600" cy="4486275"/>
+          </a:xfrm>
+        </p:spPr>
+        <p:txBody>
+          <a:bodyPr/>
+          <a:lstStyle/>
+          <a:p>
+            <a:r>
+              <a:rPr lang="en-US" dirty="0"/>
+              <a:t>Is an open-source software framework that helps developers </a:t>
+            </a:r>
+            <a:r>
+              <a:rPr lang="en-US" b="1" dirty="0"/>
+              <a:t>design</a:t>
+            </a:r>
+            <a:r>
+              <a:rPr lang="en-US" dirty="0"/>
+              <a:t>, </a:t>
+            </a:r>
+            <a:r>
+              <a:rPr lang="en-US" b="1" dirty="0"/>
+              <a:t>build</a:t>
+            </a:r>
+            <a:r>
+              <a:rPr lang="en-US" dirty="0"/>
+              <a:t>, </a:t>
+            </a:r>
+            <a:r>
+              <a:rPr lang="en-US" b="1" dirty="0"/>
+              <a:t>document</a:t>
+            </a:r>
+            <a:r>
+              <a:rPr lang="en-US" dirty="0"/>
+              <a:t>, and RESTful Web services</a:t>
+            </a:r>
+          </a:p>
+          <a:p>
+            <a:r>
+              <a:rPr lang="en-US" dirty="0"/>
+              <a:t>Also know as “</a:t>
             </a:r>
             <a:r>
               <a:rPr lang="en-AU" dirty="0"/>
-              <a:t>AWS </a:t>
-            </a:r>
-            <a:r>
-              <a:rPr lang="en-AU" b="1" dirty="0"/>
-              <a:t>S</a:t>
-            </a:r>
+              <a:t>Open API Specification”</a:t>
+            </a:r>
+          </a:p>
+          <a:p>
             <a:r>
               <a:rPr lang="en-AU" dirty="0"/>
-              <a:t>erverless </a:t>
-            </a:r>
-            <a:r>
-              <a:rPr lang="en-AU" b="1" dirty="0"/>
-              <a:t>A</a:t>
-            </a:r>
+              <a:t>We will use Swagger based approach to define</a:t>
+            </a:r>
+          </a:p>
+          <a:p>
+            <a:pPr lvl="1"/>
             <a:r>
               <a:rPr lang="en-AU" dirty="0"/>
-              <a:t>pplication </a:t>
-            </a:r>
-            <a:r>
-              <a:rPr lang="en-AU" b="1" dirty="0"/>
-              <a:t>M</a:t>
-            </a:r>
+              <a:t>Our API</a:t>
+            </a:r>
+          </a:p>
+          <a:p>
+            <a:pPr lvl="1"/>
             <a:r>
               <a:rPr lang="en-AU" dirty="0"/>
-              <a:t>odel</a:t>
-            </a:r>
-            <a:br>
+              <a:t>Integrate API with Lambda Function</a:t>
+            </a:r>
+          </a:p>
+          <a:p>
+            <a:pPr lvl="1"/>
+            <a:r>
               <a:rPr lang="en-AU" dirty="0"/>
-            </a:br>
-            <a:r>
-              <a:rPr lang="en-AU" sz="3300" dirty="0"/>
-              <a:t>(The </a:t>
-            </a:r>
-            <a:r>
-              <a:rPr lang="en-US" sz="3300" dirty="0"/>
-              <a:t>open-source framework for building </a:t>
-            </a:r>
-            <a:r>
-              <a:rPr lang="en-US" sz="3300" b="1" dirty="0"/>
-              <a:t>serverless</a:t>
-            </a:r>
-            <a:r>
-              <a:rPr lang="en-US" sz="3300" dirty="0"/>
-              <a:t> applications)</a:t>
-            </a:r>
-            <a:endParaRPr lang="en-AU" sz="3300" dirty="0"/>
+              <a:t>Use SAM to deploy the API and the related Lambda function</a:t>
+            </a:r>
+          </a:p>
+          <a:p>
+            <a:r>
+              <a:rPr lang="en-AU"/>
+              <a:t>Let’s take a look </a:t>
+            </a:r>
+            <a:r>
+              <a:rPr lang="en-AU" dirty="0"/>
+              <a:t>at a simple swagger file which defines a couple of ‘Env Booking API’</a:t>
+            </a:r>
+          </a:p>
+          <a:p>
+            <a:pPr lvl="1"/>
+            <a:endParaRPr lang="en-AU" dirty="0"/>
           </a:p>
         </p:txBody>
       </p:sp>
     </p:spTree>
     <p:extLst>
       <p:ext uri="{BB962C8B-B14F-4D97-AF65-F5344CB8AC3E}">
-        <p14:creationId xmlns:p14="http://schemas.microsoft.com/office/powerpoint/2010/main" val="2685453467"/>
+        <p14:creationId xmlns:p14="http://schemas.microsoft.com/office/powerpoint/2010/main" val="3706890671"/>
       </p:ext>
     </p:extLst>
   </p:cSld>
@@ -5147,10 +6344,97 @@
       </p:grpSpPr>
       <p:sp>
         <p:nvSpPr>
-          <p:cNvPr id="2" name="Title 1">
-            <a:extLst>
-              <a:ext uri="{FF2B5EF4-FFF2-40B4-BE49-F238E27FC236}">
-                <a16:creationId xmlns:a16="http://schemas.microsoft.com/office/drawing/2014/main" id="{BE73875F-5236-4269-95DE-BD972AD01C5A}"/>
+          <p:cNvPr id="3" name="Content Placeholder 2">
+            <a:extLst>
+              <a:ext uri="{FF2B5EF4-FFF2-40B4-BE49-F238E27FC236}">
+                <a16:creationId xmlns:a16="http://schemas.microsoft.com/office/drawing/2014/main" id="{83EE7449-7BD9-493C-8E17-9C653204BC52}"/>
+              </a:ext>
+            </a:extLst>
+          </p:cNvPr>
+          <p:cNvSpPr>
+            <a:spLocks noGrp="1"/>
+          </p:cNvSpPr>
+          <p:nvPr>
+            <p:ph idx="1"/>
+          </p:nvPr>
+        </p:nvSpPr>
+        <p:spPr>
+          <a:xfrm>
+            <a:off x="838200" y="1895912"/>
+            <a:ext cx="10515600" cy="4281051"/>
+          </a:xfrm>
+        </p:spPr>
+        <p:txBody>
+          <a:bodyPr>
+            <a:normAutofit/>
+          </a:bodyPr>
+          <a:lstStyle/>
+          <a:p>
+            <a:r>
+              <a:rPr lang="en-US" sz="3200" dirty="0"/>
+              <a:t>SAM Templates are used to define resources such as APIs, lambda functions, databases, and </a:t>
+            </a:r>
+            <a:r>
+              <a:rPr lang="en-US" sz="3200" dirty="0">
+                <a:hlinkClick r:id="rId2"/>
+              </a:rPr>
+              <a:t>event source mappings</a:t>
+            </a:r>
+            <a:r>
+              <a:rPr lang="en-US" sz="3200" dirty="0"/>
+              <a:t>.</a:t>
+            </a:r>
+          </a:p>
+          <a:p>
+            <a:r>
+              <a:rPr lang="en-US" sz="3200" dirty="0"/>
+              <a:t>A look at our SAM Template which when deployed will create the following resources:</a:t>
+            </a:r>
+          </a:p>
+          <a:p>
+            <a:pPr lvl="1"/>
+            <a:r>
+              <a:rPr lang="en-US" sz="3000" dirty="0"/>
+              <a:t>An API Gateway for Env Booking with 2 methods</a:t>
+            </a:r>
+          </a:p>
+          <a:p>
+            <a:pPr lvl="1"/>
+            <a:r>
+              <a:rPr lang="en-US" sz="3000" dirty="0"/>
+              <a:t>A simple table in </a:t>
+            </a:r>
+            <a:r>
+              <a:rPr lang="en-US" sz="3000" dirty="0" err="1"/>
+              <a:t>DynamoDb</a:t>
+            </a:r>
+            <a:r>
+              <a:rPr lang="en-US" sz="3000" dirty="0"/>
+              <a:t> NoSQL database</a:t>
+            </a:r>
+          </a:p>
+          <a:p>
+            <a:pPr lvl="1"/>
+            <a:r>
+              <a:rPr lang="en-US" sz="3000" dirty="0"/>
+              <a:t>2 lambda functions corresponding to the 2 API methods</a:t>
+            </a:r>
+          </a:p>
+          <a:p>
+            <a:pPr lvl="1"/>
+            <a:r>
+              <a:rPr lang="en-US" sz="3000" dirty="0"/>
+              <a:t>2 IAM roles, defining permission for each lambda function</a:t>
+            </a:r>
+          </a:p>
+        </p:txBody>
+      </p:sp>
+      <p:sp>
+        <p:nvSpPr>
+          <p:cNvPr id="4" name="Title 1">
+            <a:extLst>
+              <a:ext uri="{FF2B5EF4-FFF2-40B4-BE49-F238E27FC236}">
+                <a16:creationId xmlns:a16="http://schemas.microsoft.com/office/drawing/2014/main" id="{DA3DBA8B-3BE8-4879-945F-8069EDDD54AD}"/>
               </a:ext>
             </a:extLst>
           </p:cNvPr>
@@ -5161,236 +6445,78 @@
             <p:ph type="title"/>
           </p:nvPr>
         </p:nvSpPr>
-        <p:spPr/>
-        <p:txBody>
-          <a:bodyPr/>
-          <a:lstStyle/>
-          <a:p>
+        <p:spPr>
+          <a:xfrm>
+            <a:off x="838200" y="365125"/>
+            <a:ext cx="10515600" cy="1325563"/>
+          </a:xfrm>
+        </p:spPr>
+        <p:txBody>
+          <a:bodyPr>
+            <a:normAutofit fontScale="90000"/>
+          </a:bodyPr>
+          <a:lstStyle/>
+          <a:p>
+            <a:pPr algn="ctr"/>
+            <a:r>
+              <a:rPr lang="en-AU" b="1" dirty="0"/>
+              <a:t>SAM - </a:t>
+            </a:r>
             <a:r>
               <a:rPr lang="en-AU" dirty="0"/>
-              <a:t>Step 1 – Package Artefacts</a:t>
-            </a:r>
-          </a:p>
-        </p:txBody>
-      </p:sp>
-      <p:sp>
-        <p:nvSpPr>
-          <p:cNvPr id="3" name="Content Placeholder 2">
-            <a:extLst>
-              <a:ext uri="{FF2B5EF4-FFF2-40B4-BE49-F238E27FC236}">
-                <a16:creationId xmlns:a16="http://schemas.microsoft.com/office/drawing/2014/main" id="{05BBA83A-E027-40B0-974F-F9409159571E}"/>
-              </a:ext>
-            </a:extLst>
-          </p:cNvPr>
-          <p:cNvSpPr>
-            <a:spLocks noGrp="1"/>
-          </p:cNvSpPr>
-          <p:nvPr>
-            <p:ph idx="1"/>
-          </p:nvPr>
-        </p:nvSpPr>
-        <p:spPr/>
-        <p:txBody>
-          <a:bodyPr>
-            <a:normAutofit fontScale="92500" lnSpcReduction="20000"/>
-          </a:bodyPr>
-          <a:lstStyle/>
-          <a:p>
-            <a:pPr marL="0" indent="0">
-              <a:buNone/>
-            </a:pPr>
-            <a:r>
-              <a:rPr lang="en-US" sz="3400" dirty="0"/>
-              <a:t>SAM needs an s3 bucket – Let’s create One</a:t>
-            </a:r>
-          </a:p>
-          <a:p>
-            <a:pPr marL="0" indent="0">
-              <a:buNone/>
-            </a:pPr>
-            <a:r>
-              <a:rPr lang="en-AU" i="1" dirty="0" err="1"/>
-              <a:t>aws</a:t>
-            </a:r>
-            <a:r>
-              <a:rPr lang="en-AU" i="1" dirty="0"/>
-              <a:t> s3 mb s3://damz-demo-sam </a:t>
+              <a:t>AWS </a:t>
+            </a:r>
+            <a:r>
+              <a:rPr lang="en-AU" b="1" dirty="0"/>
+              <a:t>S</a:t>
             </a:r>
             <a:r>
               <a:rPr lang="en-AU" dirty="0"/>
-              <a:t>--region ap-southeast-2</a:t>
-            </a:r>
-          </a:p>
-          <a:p>
-            <a:pPr marL="0" indent="0">
-              <a:buNone/>
-            </a:pPr>
-            <a:endParaRPr lang="en-AU" dirty="0"/>
-          </a:p>
-          <a:p>
-            <a:pPr marL="0" indent="0">
-              <a:buNone/>
-            </a:pPr>
+              <a:t>erverless </a:t>
+            </a:r>
+            <a:r>
+              <a:rPr lang="en-AU" b="1" dirty="0"/>
+              <a:t>A</a:t>
+            </a:r>
             <a:r>
               <a:rPr lang="en-AU" dirty="0"/>
-              <a:t>cd ~/demo-</a:t>
-            </a:r>
-            <a:r>
-              <a:rPr lang="en-AU" dirty="0" err="1"/>
-              <a:t>sam</a:t>
+              <a:t>pplication </a:t>
+            </a:r>
+            <a:r>
+              <a:rPr lang="en-AU" b="1" dirty="0"/>
+              <a:t>M</a:t>
             </a:r>
             <a:r>
               <a:rPr lang="en-AU" dirty="0"/>
-              <a:t>/env-booking-</a:t>
-            </a:r>
-            <a:r>
-              <a:rPr lang="en-AU" dirty="0" err="1"/>
-              <a:t>api</a:t>
-            </a:r>
-            <a:endParaRPr lang="en-AU" dirty="0"/>
-          </a:p>
-          <a:p>
-            <a:pPr marL="0" indent="0">
-              <a:buNone/>
-            </a:pPr>
-            <a:r>
-              <a:rPr lang="en-AU" dirty="0" err="1"/>
-              <a:t>sam</a:t>
-            </a:r>
-            <a:r>
+              <a:t>odel</a:t>
+            </a:r>
+            <a:br>
               <a:rPr lang="en-AU" dirty="0"/>
-              <a:t> package \</a:t>
-            </a:r>
-          </a:p>
-          <a:p>
-            <a:pPr marL="0" indent="0">
-              <a:buNone/>
-            </a:pPr>
-            <a:r>
-              <a:rPr lang="en-AU" dirty="0"/>
-              <a:t>--template-file </a:t>
-            </a:r>
-            <a:r>
-              <a:rPr lang="en-AU" i="1" dirty="0" err="1"/>
-              <a:t>sam-template.yaml</a:t>
-            </a:r>
-            <a:r>
-              <a:rPr lang="en-AU" i="1" dirty="0"/>
-              <a:t> </a:t>
-            </a:r>
-            <a:r>
-              <a:rPr lang="en-AU" dirty="0"/>
-              <a:t>\</a:t>
-            </a:r>
-          </a:p>
-          <a:p>
-            <a:pPr marL="0" indent="0">
-              <a:buNone/>
-            </a:pPr>
-            <a:r>
-              <a:rPr lang="en-AU" dirty="0"/>
-              <a:t>--output-template-file </a:t>
-            </a:r>
-            <a:r>
-              <a:rPr lang="en-AU" i="1" dirty="0" err="1"/>
-              <a:t>sam</a:t>
-            </a:r>
-            <a:r>
-              <a:rPr lang="en-AU" i="1" dirty="0"/>
-              <a:t>-template-</a:t>
-            </a:r>
-            <a:r>
-              <a:rPr lang="en-AU" i="1" dirty="0" err="1"/>
-              <a:t>out.yaml</a:t>
-            </a:r>
-            <a:r>
-              <a:rPr lang="en-AU" i="1" dirty="0"/>
-              <a:t> </a:t>
-            </a:r>
-            <a:r>
-              <a:rPr lang="en-AU" dirty="0"/>
-              <a:t>\</a:t>
-            </a:r>
-          </a:p>
-          <a:p>
-            <a:pPr marL="0" indent="0">
-              <a:buNone/>
-            </a:pPr>
-            <a:r>
-              <a:rPr lang="en-AU" dirty="0"/>
-              <a:t>--s3-bucket </a:t>
-            </a:r>
-            <a:r>
-              <a:rPr lang="en-AU" i="1" dirty="0" err="1"/>
-              <a:t>damz</a:t>
-            </a:r>
-            <a:r>
-              <a:rPr lang="en-AU" i="1" dirty="0"/>
-              <a:t>-demo-</a:t>
-            </a:r>
-            <a:r>
-              <a:rPr lang="en-AU" i="1" dirty="0" err="1"/>
-              <a:t>sam</a:t>
-            </a:r>
-            <a:endParaRPr lang="en-AU" i="1" dirty="0"/>
-          </a:p>
-          <a:p>
-            <a:pPr marL="0" indent="0">
-              <a:buNone/>
-            </a:pPr>
-            <a:endParaRPr lang="en-AU" dirty="0"/>
-          </a:p>
-          <a:p>
-            <a:pPr marL="0" indent="0">
-              <a:buNone/>
-            </a:pPr>
-            <a:r>
-              <a:rPr lang="en-AU" dirty="0">
-                <a:solidFill>
-                  <a:srgbClr val="00B050"/>
-                </a:solidFill>
-              </a:rPr>
-              <a:t>#Generates a CloudFormation Template </a:t>
-            </a:r>
-            <a:r>
-              <a:rPr lang="en-AU" dirty="0" err="1">
-                <a:solidFill>
-                  <a:srgbClr val="00B050"/>
-                </a:solidFill>
-              </a:rPr>
-              <a:t>sam</a:t>
-            </a:r>
-            <a:r>
-              <a:rPr lang="en-AU" dirty="0">
-                <a:solidFill>
-                  <a:srgbClr val="00B050"/>
-                </a:solidFill>
-              </a:rPr>
-              <a:t>-template-</a:t>
-            </a:r>
-            <a:r>
-              <a:rPr lang="en-AU" dirty="0" err="1">
-                <a:solidFill>
-                  <a:srgbClr val="00B050"/>
-                </a:solidFill>
-              </a:rPr>
-              <a:t>out.yaml</a:t>
-            </a:r>
-            <a:r>
-              <a:rPr lang="en-AU" dirty="0">
-                <a:solidFill>
-                  <a:srgbClr val="00B050"/>
-                </a:solidFill>
-              </a:rPr>
-              <a:t> </a:t>
-            </a:r>
+            </a:br>
+            <a:r>
+              <a:rPr lang="en-AU" sz="3300" dirty="0"/>
+              <a:t>(The </a:t>
+            </a:r>
+            <a:r>
+              <a:rPr lang="en-US" sz="3300" dirty="0"/>
+              <a:t>open-source framework for building </a:t>
+            </a:r>
+            <a:r>
+              <a:rPr lang="en-US" sz="3300" b="1" dirty="0"/>
+              <a:t>serverless</a:t>
+            </a:r>
+            <a:r>
+              <a:rPr lang="en-US" sz="3300" dirty="0"/>
+              <a:t> applications)</a:t>
+            </a:r>
+            <a:endParaRPr lang="en-AU" sz="3300" dirty="0"/>
           </a:p>
         </p:txBody>
       </p:sp>
     </p:spTree>
     <p:extLst>
       <p:ext uri="{BB962C8B-B14F-4D97-AF65-F5344CB8AC3E}">
-        <p14:creationId xmlns:p14="http://schemas.microsoft.com/office/powerpoint/2010/main" val="2771937280"/>
+        <p14:creationId xmlns:p14="http://schemas.microsoft.com/office/powerpoint/2010/main" val="2685453467"/>
       </p:ext>
     </p:extLst>
   </p:cSld>
@@ -5422,7 +6548,7 @@
           <p:cNvPr id="2" name="Title 1">
             <a:extLst>
               <a:ext uri="{FF2B5EF4-FFF2-40B4-BE49-F238E27FC236}">
-                <a16:creationId xmlns:a16="http://schemas.microsoft.com/office/drawing/2014/main" id="{1870C462-A262-4197-8CA7-4B6FAB013FBA}"/>
+                <a16:creationId xmlns:a16="http://schemas.microsoft.com/office/drawing/2014/main" id="{233D1FD7-DF1E-46C6-9F6C-098504962378}"/>
               </a:ext>
             </a:extLst>
           </p:cNvPr>
@@ -5438,126 +6564,144 @@
           <a:bodyPr/>
           <a:lstStyle/>
           <a:p>
+            <a:endParaRPr lang="en-AU"/>
+          </a:p>
+        </p:txBody>
+      </p:sp>
+      <p:sp>
+        <p:nvSpPr>
+          <p:cNvPr id="3" name="Content Placeholder 2">
+            <a:extLst>
+              <a:ext uri="{FF2B5EF4-FFF2-40B4-BE49-F238E27FC236}">
+                <a16:creationId xmlns:a16="http://schemas.microsoft.com/office/drawing/2014/main" id="{BF80D001-BEF0-45E1-A3B0-6D7AC007F1DD}"/>
+              </a:ext>
+            </a:extLst>
+          </p:cNvPr>
+          <p:cNvSpPr>
+            <a:spLocks noGrp="1"/>
+          </p:cNvSpPr>
+          <p:nvPr>
+            <p:ph idx="1"/>
+          </p:nvPr>
+        </p:nvSpPr>
+        <p:spPr/>
+        <p:txBody>
+          <a:bodyPr/>
+          <a:lstStyle/>
+          <a:p>
+            <a:endParaRPr lang="en-AU"/>
+          </a:p>
+        </p:txBody>
+      </p:sp>
+      <p:sp>
+        <p:nvSpPr>
+          <p:cNvPr id="5" name="TextBox 4">
+            <a:extLst>
+              <a:ext uri="{FF2B5EF4-FFF2-40B4-BE49-F238E27FC236}">
+                <a16:creationId xmlns:a16="http://schemas.microsoft.com/office/drawing/2014/main" id="{A2584019-9E55-485D-8EC8-360639497B47}"/>
+              </a:ext>
+            </a:extLst>
+          </p:cNvPr>
+          <p:cNvSpPr txBox="1"/>
+          <p:nvPr/>
+        </p:nvSpPr>
+        <p:spPr>
+          <a:xfrm>
+            <a:off x="926432" y="1419726"/>
+            <a:ext cx="2322094" cy="369332"/>
+          </a:xfrm>
+          <a:prstGeom prst="rect">
+            <a:avLst/>
+          </a:prstGeom>
+          <a:noFill/>
+        </p:spPr>
+        <p:txBody>
+          <a:bodyPr wrap="square" rtlCol="0">
+            <a:spAutoFit/>
+          </a:bodyPr>
+          <a:lstStyle/>
+          <a:p>
             <a:r>
               <a:rPr lang="en-AU" dirty="0"/>
-              <a:t>Step 2 – Deploy CloudFormation Template</a:t>
-            </a:r>
-          </a:p>
-        </p:txBody>
-      </p:sp>
-      <p:sp>
-        <p:nvSpPr>
-          <p:cNvPr id="3" name="Content Placeholder 2">
-            <a:extLst>
-              <a:ext uri="{FF2B5EF4-FFF2-40B4-BE49-F238E27FC236}">
-                <a16:creationId xmlns:a16="http://schemas.microsoft.com/office/drawing/2014/main" id="{626DF73C-87CE-4067-9A02-691A5A24D7C7}"/>
-              </a:ext>
-            </a:extLst>
-          </p:cNvPr>
-          <p:cNvSpPr>
-            <a:spLocks noGrp="1"/>
-          </p:cNvSpPr>
-          <p:nvPr>
-            <p:ph idx="1"/>
-          </p:nvPr>
-        </p:nvSpPr>
-        <p:spPr/>
-        <p:txBody>
-          <a:bodyPr/>
-          <a:lstStyle/>
-          <a:p>
-            <a:pPr marL="0" indent="0">
-              <a:buNone/>
-            </a:pPr>
-            <a:r>
-              <a:rPr lang="en-AU" dirty="0" err="1"/>
-              <a:t>sam</a:t>
-            </a:r>
-            <a:r>
-              <a:rPr lang="en-AU" dirty="0"/>
-              <a:t> deploy \</a:t>
-            </a:r>
-          </a:p>
-          <a:p>
-            <a:pPr marL="0" indent="0">
-              <a:buNone/>
-            </a:pPr>
-            <a:r>
-              <a:rPr lang="en-AU" dirty="0"/>
-              <a:t>--template-file </a:t>
-            </a:r>
-            <a:r>
-              <a:rPr lang="en-AU" dirty="0" err="1"/>
-              <a:t>sam</a:t>
-            </a:r>
-            <a:r>
-              <a:rPr lang="en-AU" dirty="0"/>
-              <a:t>-template-</a:t>
-            </a:r>
-            <a:r>
-              <a:rPr lang="en-AU" dirty="0" err="1"/>
-              <a:t>out.yaml</a:t>
-            </a:r>
-            <a:r>
-              <a:rPr lang="en-AU" dirty="0"/>
-              <a:t> \</a:t>
-            </a:r>
-          </a:p>
-          <a:p>
-            <a:pPr marL="0" indent="0">
-              <a:buNone/>
-            </a:pPr>
-            <a:r>
-              <a:rPr lang="en-AU" dirty="0"/>
-              <a:t>--stack-name env-booking-</a:t>
-            </a:r>
-            <a:r>
-              <a:rPr lang="en-AU" dirty="0" err="1"/>
-              <a:t>api</a:t>
-            </a:r>
-            <a:r>
-              <a:rPr lang="en-AU" dirty="0"/>
-              <a:t>-stack \</a:t>
-            </a:r>
-          </a:p>
-          <a:p>
-            <a:pPr marL="0" indent="0">
-              <a:buNone/>
-            </a:pPr>
-            <a:r>
-              <a:rPr lang="en-AU" dirty="0"/>
-              <a:t>--capabilities CAPABILITY_IAM \</a:t>
-            </a:r>
-          </a:p>
-          <a:p>
-            <a:pPr marL="0" indent="0">
-              <a:buNone/>
-            </a:pPr>
-            <a:r>
-              <a:rPr lang="en-AU" dirty="0"/>
-              <a:t>--region ap-southeast-2</a:t>
-            </a:r>
-          </a:p>
-          <a:p>
-            <a:pPr marL="0" indent="0">
-              <a:buNone/>
-            </a:pPr>
-            <a:r>
-              <a:rPr lang="en-AU" sz="1600" dirty="0"/>
-              <a:t>(note: CAPABILITY_IAM is specified </a:t>
-            </a:r>
-            <a:r>
-              <a:rPr lang="en-US" sz="1600" dirty="0"/>
-              <a:t>is used to specify that you are OK creation of IAM related resources)</a:t>
-            </a:r>
-            <a:endParaRPr lang="en-AU" sz="1600" dirty="0"/>
-          </a:p>
-        </p:txBody>
-      </p:sp>
+              <a:t>Env Booking App</a:t>
+            </a:r>
+          </a:p>
+        </p:txBody>
+      </p:sp>
+      <p:sp>
+        <p:nvSpPr>
+          <p:cNvPr id="6" name="TextBox 5">
+            <a:extLst>
+              <a:ext uri="{FF2B5EF4-FFF2-40B4-BE49-F238E27FC236}">
+                <a16:creationId xmlns:a16="http://schemas.microsoft.com/office/drawing/2014/main" id="{3056E88F-8CB1-4D1E-9878-ADF3DF7933C6}"/>
+              </a:ext>
+            </a:extLst>
+          </p:cNvPr>
+          <p:cNvSpPr txBox="1"/>
+          <p:nvPr/>
+        </p:nvSpPr>
+        <p:spPr>
+          <a:xfrm>
+            <a:off x="1961148" y="2971800"/>
+            <a:ext cx="1434624" cy="369332"/>
+          </a:xfrm>
+          <a:prstGeom prst="rect">
+            <a:avLst/>
+          </a:prstGeom>
+          <a:noFill/>
+        </p:spPr>
+        <p:txBody>
+          <a:bodyPr wrap="none" rtlCol="0">
+            <a:spAutoFit/>
+          </a:bodyPr>
+          <a:lstStyle/>
+          <a:p>
+            <a:r>
+              <a:rPr lang="en-AU" dirty="0" err="1">
+                <a:latin typeface="Arial Nova Cond" panose="020B0506020202020204" pitchFamily="34" charset="0"/>
+              </a:rPr>
+              <a:t>swagger.yaml</a:t>
+            </a:r>
+            <a:endParaRPr lang="en-AU" dirty="0">
+              <a:latin typeface="Arial Nova Cond" panose="020B0506020202020204" pitchFamily="34" charset="0"/>
+            </a:endParaRPr>
+          </a:p>
+        </p:txBody>
+      </p:sp>
+      <p:pic>
+        <p:nvPicPr>
+          <p:cNvPr id="8" name="Picture 7">
+            <a:extLst>
+              <a:ext uri="{FF2B5EF4-FFF2-40B4-BE49-F238E27FC236}">
+                <a16:creationId xmlns:a16="http://schemas.microsoft.com/office/drawing/2014/main" id="{CBDB7492-6727-46E3-9E84-E78D98DFBB64}"/>
+              </a:ext>
+            </a:extLst>
+          </p:cNvPr>
+          <p:cNvPicPr>
+            <a:picLocks noChangeAspect="1"/>
+          </p:cNvPicPr>
+          <p:nvPr/>
+        </p:nvPicPr>
+        <p:blipFill>
+          <a:blip r:embed="rId2"/>
+          <a:stretch>
+            <a:fillRect/>
+          </a:stretch>
+        </p:blipFill>
+        <p:spPr>
+          <a:xfrm>
+            <a:off x="-23352" y="0"/>
+            <a:ext cx="12215352" cy="6858000"/>
+          </a:xfrm>
+          <a:prstGeom prst="rect">
+            <a:avLst/>
+          </a:prstGeom>
+        </p:spPr>
+      </p:pic>
     </p:spTree>
     <p:extLst>
       <p:ext uri="{BB962C8B-B14F-4D97-AF65-F5344CB8AC3E}">
-        <p14:creationId xmlns:p14="http://schemas.microsoft.com/office/powerpoint/2010/main" val="3240988729"/>
+        <p14:creationId xmlns:p14="http://schemas.microsoft.com/office/powerpoint/2010/main" val="1743692796"/>
       </p:ext>
     </p:extLst>
   </p:cSld>
